--- a/2016/ILN001MAD/1_RENEWABLE_ENERGIES/docs/october/20151006_Exercises.pptx
+++ b/2016/ILN001MAD/1_RENEWABLE_ENERGIES/docs/october/20151006_Exercises.pptx
@@ -1,29 +1,124 @@
 
 <file path=ppt/presentation.xml><?xml version="1.0" encoding="utf-8"?>
-<p:presentation xmlns:a="http://schemas.openxmlformats.org/drawingml/2006/main" xmlns:p="http://schemas.openxmlformats.org/presentationml/2006/main" xmlns:r="http://schemas.openxmlformats.org/officeDocument/2006/relationships">
+<p:presentation xmlns:a="http://schemas.openxmlformats.org/drawingml/2006/main" xmlns:r="http://schemas.openxmlformats.org/officeDocument/2006/relationships" xmlns:p="http://schemas.openxmlformats.org/presentationml/2006/main">
   <p:sldMasterIdLst>
-    <p:sldMasterId id="2147483648" r:id="rId2"/>
-    <p:sldMasterId id="2147483661" r:id="rId3"/>
-    <p:sldMasterId id="2147483674" r:id="rId4"/>
+    <p:sldMasterId id="2147483648" r:id="rId1"/>
+    <p:sldMasterId id="2147483661" r:id="rId2"/>
+    <p:sldMasterId id="2147483674" r:id="rId3"/>
   </p:sldMasterIdLst>
   <p:sldIdLst>
-    <p:sldId id="256" r:id="rId5"/>
-    <p:sldId id="257" r:id="rId6"/>
-    <p:sldId id="258" r:id="rId7"/>
-    <p:sldId id="259" r:id="rId8"/>
-    <p:sldId id="260" r:id="rId9"/>
-    <p:sldId id="261" r:id="rId10"/>
-    <p:sldId id="262" r:id="rId11"/>
-    <p:sldId id="263" r:id="rId12"/>
-    <p:sldId id="264" r:id="rId13"/>
+    <p:sldId id="256" r:id="rId4"/>
+    <p:sldId id="257" r:id="rId5"/>
+    <p:sldId id="258" r:id="rId6"/>
+    <p:sldId id="259" r:id="rId7"/>
+    <p:sldId id="260" r:id="rId8"/>
+    <p:sldId id="261" r:id="rId9"/>
+    <p:sldId id="262" r:id="rId10"/>
+    <p:sldId id="263" r:id="rId11"/>
+    <p:sldId id="264" r:id="rId12"/>
   </p:sldIdLst>
-  <p:sldSz cx="9144000" cy="6858000"/>
-  <p:notesSz cx="7559675" cy="10691812"/>
+  <p:sldSz cx="9144000" cy="6858000" type="screen4x3"/>
+  <p:notesSz cx="7099300" cy="10234613"/>
+  <p:defaultTextStyle>
+    <a:defPPr>
+      <a:defRPr lang="en-US"/>
+    </a:defPPr>
+    <a:lvl1pPr marL="0" algn="l" defTabSz="914400" rtl="0" eaLnBrk="1" latinLnBrk="0" hangingPunct="1">
+      <a:defRPr sz="1800" kern="1200">
+        <a:solidFill>
+          <a:schemeClr val="tx1"/>
+        </a:solidFill>
+        <a:latin typeface="+mn-lt"/>
+        <a:ea typeface="+mn-ea"/>
+        <a:cs typeface="+mn-cs"/>
+      </a:defRPr>
+    </a:lvl1pPr>
+    <a:lvl2pPr marL="457200" algn="l" defTabSz="914400" rtl="0" eaLnBrk="1" latinLnBrk="0" hangingPunct="1">
+      <a:defRPr sz="1800" kern="1200">
+        <a:solidFill>
+          <a:schemeClr val="tx1"/>
+        </a:solidFill>
+        <a:latin typeface="+mn-lt"/>
+        <a:ea typeface="+mn-ea"/>
+        <a:cs typeface="+mn-cs"/>
+      </a:defRPr>
+    </a:lvl2pPr>
+    <a:lvl3pPr marL="914400" algn="l" defTabSz="914400" rtl="0" eaLnBrk="1" latinLnBrk="0" hangingPunct="1">
+      <a:defRPr sz="1800" kern="1200">
+        <a:solidFill>
+          <a:schemeClr val="tx1"/>
+        </a:solidFill>
+        <a:latin typeface="+mn-lt"/>
+        <a:ea typeface="+mn-ea"/>
+        <a:cs typeface="+mn-cs"/>
+      </a:defRPr>
+    </a:lvl3pPr>
+    <a:lvl4pPr marL="1371600" algn="l" defTabSz="914400" rtl="0" eaLnBrk="1" latinLnBrk="0" hangingPunct="1">
+      <a:defRPr sz="1800" kern="1200">
+        <a:solidFill>
+          <a:schemeClr val="tx1"/>
+        </a:solidFill>
+        <a:latin typeface="+mn-lt"/>
+        <a:ea typeface="+mn-ea"/>
+        <a:cs typeface="+mn-cs"/>
+      </a:defRPr>
+    </a:lvl4pPr>
+    <a:lvl5pPr marL="1828800" algn="l" defTabSz="914400" rtl="0" eaLnBrk="1" latinLnBrk="0" hangingPunct="1">
+      <a:defRPr sz="1800" kern="1200">
+        <a:solidFill>
+          <a:schemeClr val="tx1"/>
+        </a:solidFill>
+        <a:latin typeface="+mn-lt"/>
+        <a:ea typeface="+mn-ea"/>
+        <a:cs typeface="+mn-cs"/>
+      </a:defRPr>
+    </a:lvl5pPr>
+    <a:lvl6pPr marL="2286000" algn="l" defTabSz="914400" rtl="0" eaLnBrk="1" latinLnBrk="0" hangingPunct="1">
+      <a:defRPr sz="1800" kern="1200">
+        <a:solidFill>
+          <a:schemeClr val="tx1"/>
+        </a:solidFill>
+        <a:latin typeface="+mn-lt"/>
+        <a:ea typeface="+mn-ea"/>
+        <a:cs typeface="+mn-cs"/>
+      </a:defRPr>
+    </a:lvl6pPr>
+    <a:lvl7pPr marL="2743200" algn="l" defTabSz="914400" rtl="0" eaLnBrk="1" latinLnBrk="0" hangingPunct="1">
+      <a:defRPr sz="1800" kern="1200">
+        <a:solidFill>
+          <a:schemeClr val="tx1"/>
+        </a:solidFill>
+        <a:latin typeface="+mn-lt"/>
+        <a:ea typeface="+mn-ea"/>
+        <a:cs typeface="+mn-cs"/>
+      </a:defRPr>
+    </a:lvl7pPr>
+    <a:lvl8pPr marL="3200400" algn="l" defTabSz="914400" rtl="0" eaLnBrk="1" latinLnBrk="0" hangingPunct="1">
+      <a:defRPr sz="1800" kern="1200">
+        <a:solidFill>
+          <a:schemeClr val="tx1"/>
+        </a:solidFill>
+        <a:latin typeface="+mn-lt"/>
+        <a:ea typeface="+mn-ea"/>
+        <a:cs typeface="+mn-cs"/>
+      </a:defRPr>
+    </a:lvl8pPr>
+    <a:lvl9pPr marL="3657600" algn="l" defTabSz="914400" rtl="0" eaLnBrk="1" latinLnBrk="0" hangingPunct="1">
+      <a:defRPr sz="1800" kern="1200">
+        <a:solidFill>
+          <a:schemeClr val="tx1"/>
+        </a:solidFill>
+        <a:latin typeface="+mn-lt"/>
+        <a:ea typeface="+mn-ea"/>
+        <a:cs typeface="+mn-cs"/>
+      </a:defRPr>
+    </a:lvl9pPr>
+  </p:defaultTextStyle>
 </p:presentation>
 </file>
 
 <file path=ppt/slideLayouts/slideLayout1.xml><?xml version="1.0" encoding="utf-8"?>
-<p:sldLayout xmlns:a="http://schemas.openxmlformats.org/drawingml/2006/main" xmlns:p="http://schemas.openxmlformats.org/presentationml/2006/main" xmlns:r="http://schemas.openxmlformats.org/officeDocument/2006/relationships" type="blank" preserve="1">
+<p:sldLayout xmlns:a="http://schemas.openxmlformats.org/drawingml/2006/main" xmlns:r="http://schemas.openxmlformats.org/officeDocument/2006/relationships" xmlns:p="http://schemas.openxmlformats.org/presentationml/2006/main" type="blank" preserve="1">
   <p:cSld name="Blank Slide">
     <p:spTree>
       <p:nvGrpSpPr>
@@ -41,11 +136,14 @@
       </p:grpSpPr>
     </p:spTree>
   </p:cSld>
+  <p:clrMapOvr>
+    <a:masterClrMapping/>
+  </p:clrMapOvr>
 </p:sldLayout>
 </file>
 
 <file path=ppt/slideLayouts/slideLayout10.xml><?xml version="1.0" encoding="utf-8"?>
-<p:sldLayout xmlns:a="http://schemas.openxmlformats.org/drawingml/2006/main" xmlns:p="http://schemas.openxmlformats.org/presentationml/2006/main" xmlns:r="http://schemas.openxmlformats.org/officeDocument/2006/relationships" type="objOverTx" preserve="1">
+<p:sldLayout xmlns:a="http://schemas.openxmlformats.org/drawingml/2006/main" xmlns:r="http://schemas.openxmlformats.org/officeDocument/2006/relationships" xmlns:p="http://schemas.openxmlformats.org/presentationml/2006/main" type="objOverTx" preserve="1">
   <p:cSld name="Title, Content over Content">
     <p:spTree>
       <p:nvGrpSpPr>
@@ -81,7 +179,8 @@
           </a:prstGeom>
         </p:spPr>
         <p:txBody>
-          <a:bodyPr wrap="none" lIns="0" rIns="0" tIns="0" bIns="0" anchor="ctr"/>
+          <a:bodyPr wrap="none" lIns="0" tIns="0" rIns="0" bIns="0" anchor="ctr"/>
+          <a:lstStyle/>
           <a:p>
             <a:endParaRPr/>
           </a:p>
@@ -107,7 +206,8 @@
           </a:prstGeom>
         </p:spPr>
         <p:txBody>
-          <a:bodyPr wrap="none" lIns="0" rIns="0" tIns="0" bIns="0"/>
+          <a:bodyPr wrap="none" lIns="0" tIns="0" rIns="0" bIns="0"/>
+          <a:lstStyle/>
           <a:p>
             <a:endParaRPr/>
           </a:p>
@@ -133,7 +233,8 @@
           </a:prstGeom>
         </p:spPr>
         <p:txBody>
-          <a:bodyPr wrap="none" lIns="0" rIns="0" tIns="0" bIns="0"/>
+          <a:bodyPr wrap="none" lIns="0" tIns="0" rIns="0" bIns="0"/>
+          <a:lstStyle/>
           <a:p>
             <a:endParaRPr/>
           </a:p>
@@ -141,11 +242,14 @@
       </p:sp>
     </p:spTree>
   </p:cSld>
+  <p:clrMapOvr>
+    <a:masterClrMapping/>
+  </p:clrMapOvr>
 </p:sldLayout>
 </file>
 
 <file path=ppt/slideLayouts/slideLayout11.xml><?xml version="1.0" encoding="utf-8"?>
-<p:sldLayout xmlns:a="http://schemas.openxmlformats.org/drawingml/2006/main" xmlns:p="http://schemas.openxmlformats.org/presentationml/2006/main" xmlns:r="http://schemas.openxmlformats.org/officeDocument/2006/relationships" type="fourObj" preserve="1">
+<p:sldLayout xmlns:a="http://schemas.openxmlformats.org/drawingml/2006/main" xmlns:r="http://schemas.openxmlformats.org/officeDocument/2006/relationships" xmlns:p="http://schemas.openxmlformats.org/presentationml/2006/main" type="fourObj" preserve="1">
   <p:cSld name="Title, 4 Content">
     <p:spTree>
       <p:nvGrpSpPr>
@@ -181,7 +285,8 @@
           </a:prstGeom>
         </p:spPr>
         <p:txBody>
-          <a:bodyPr wrap="none" lIns="0" rIns="0" tIns="0" bIns="0" anchor="ctr"/>
+          <a:bodyPr wrap="none" lIns="0" tIns="0" rIns="0" bIns="0" anchor="ctr"/>
+          <a:lstStyle/>
           <a:p>
             <a:endParaRPr/>
           </a:p>
@@ -207,7 +312,8 @@
           </a:prstGeom>
         </p:spPr>
         <p:txBody>
-          <a:bodyPr wrap="none" lIns="0" rIns="0" tIns="0" bIns="0"/>
+          <a:bodyPr wrap="none" lIns="0" tIns="0" rIns="0" bIns="0"/>
+          <a:lstStyle/>
           <a:p>
             <a:endParaRPr/>
           </a:p>
@@ -233,7 +339,8 @@
           </a:prstGeom>
         </p:spPr>
         <p:txBody>
-          <a:bodyPr wrap="none" lIns="0" rIns="0" tIns="0" bIns="0"/>
+          <a:bodyPr wrap="none" lIns="0" tIns="0" rIns="0" bIns="0"/>
+          <a:lstStyle/>
           <a:p>
             <a:endParaRPr/>
           </a:p>
@@ -259,7 +366,8 @@
           </a:prstGeom>
         </p:spPr>
         <p:txBody>
-          <a:bodyPr wrap="none" lIns="0" rIns="0" tIns="0" bIns="0"/>
+          <a:bodyPr wrap="none" lIns="0" tIns="0" rIns="0" bIns="0"/>
+          <a:lstStyle/>
           <a:p>
             <a:endParaRPr/>
           </a:p>
@@ -285,7 +393,8 @@
           </a:prstGeom>
         </p:spPr>
         <p:txBody>
-          <a:bodyPr wrap="none" lIns="0" rIns="0" tIns="0" bIns="0"/>
+          <a:bodyPr wrap="none" lIns="0" tIns="0" rIns="0" bIns="0"/>
+          <a:lstStyle/>
           <a:p>
             <a:endParaRPr/>
           </a:p>
@@ -293,11 +402,14 @@
       </p:sp>
     </p:spTree>
   </p:cSld>
+  <p:clrMapOvr>
+    <a:masterClrMapping/>
+  </p:clrMapOvr>
 </p:sldLayout>
 </file>
 
 <file path=ppt/slideLayouts/slideLayout12.xml><?xml version="1.0" encoding="utf-8"?>
-<p:sldLayout xmlns:a="http://schemas.openxmlformats.org/drawingml/2006/main" xmlns:p="http://schemas.openxmlformats.org/presentationml/2006/main" xmlns:r="http://schemas.openxmlformats.org/officeDocument/2006/relationships" type="blank" preserve="1">
+<p:sldLayout xmlns:a="http://schemas.openxmlformats.org/drawingml/2006/main" xmlns:r="http://schemas.openxmlformats.org/officeDocument/2006/relationships" xmlns:p="http://schemas.openxmlformats.org/presentationml/2006/main" type="blank" preserve="1">
   <p:cSld name="Title, 6 Content">
     <p:spTree>
       <p:nvGrpSpPr>
@@ -333,7 +445,8 @@
           </a:prstGeom>
         </p:spPr>
         <p:txBody>
-          <a:bodyPr wrap="none" lIns="0" rIns="0" tIns="0" bIns="0" anchor="ctr"/>
+          <a:bodyPr wrap="none" lIns="0" tIns="0" rIns="0" bIns="0" anchor="ctr"/>
+          <a:lstStyle/>
           <a:p>
             <a:endParaRPr/>
           </a:p>
@@ -359,7 +472,8 @@
           </a:prstGeom>
         </p:spPr>
         <p:txBody>
-          <a:bodyPr wrap="none" lIns="0" rIns="0" tIns="0" bIns="0"/>
+          <a:bodyPr wrap="none" lIns="0" tIns="0" rIns="0" bIns="0"/>
+          <a:lstStyle/>
           <a:p>
             <a:endParaRPr/>
           </a:p>
@@ -385,7 +499,8 @@
           </a:prstGeom>
         </p:spPr>
         <p:txBody>
-          <a:bodyPr wrap="none" lIns="0" rIns="0" tIns="0" bIns="0"/>
+          <a:bodyPr wrap="none" lIns="0" tIns="0" rIns="0" bIns="0"/>
+          <a:lstStyle/>
           <a:p>
             <a:endParaRPr/>
           </a:p>
@@ -393,7 +508,7 @@
       </p:sp>
       <p:pic>
         <p:nvPicPr>
-          <p:cNvPr id="37" name="" descr=""/>
+          <p:cNvPr id="37" name="36 Imagen"/>
           <p:cNvPicPr/>
           <p:nvPr/>
         </p:nvPicPr>
@@ -418,12 +533,12 @@
       </p:pic>
       <p:pic>
         <p:nvPicPr>
-          <p:cNvPr id="38" name="" descr=""/>
+          <p:cNvPr id="38" name="37 Imagen"/>
           <p:cNvPicPr/>
           <p:nvPr/>
         </p:nvPicPr>
         <p:blipFill>
-          <a:blip r:embed="rId3"/>
+          <a:blip r:embed="rId2"/>
           <a:stretch>
             <a:fillRect/>
           </a:stretch>
@@ -443,11 +558,14 @@
       </p:pic>
     </p:spTree>
   </p:cSld>
+  <p:clrMapOvr>
+    <a:masterClrMapping/>
+  </p:clrMapOvr>
 </p:sldLayout>
 </file>
 
 <file path=ppt/slideLayouts/slideLayout13.xml><?xml version="1.0" encoding="utf-8"?>
-<p:sldLayout xmlns:a="http://schemas.openxmlformats.org/drawingml/2006/main" xmlns:p="http://schemas.openxmlformats.org/presentationml/2006/main" xmlns:r="http://schemas.openxmlformats.org/officeDocument/2006/relationships" type="blank" preserve="1">
+<p:sldLayout xmlns:a="http://schemas.openxmlformats.org/drawingml/2006/main" xmlns:r="http://schemas.openxmlformats.org/officeDocument/2006/relationships" xmlns:p="http://schemas.openxmlformats.org/presentationml/2006/main" type="blank" preserve="1">
   <p:cSld name="Blank Slide">
     <p:spTree>
       <p:nvGrpSpPr>
@@ -465,11 +583,14 @@
       </p:grpSpPr>
     </p:spTree>
   </p:cSld>
+  <p:clrMapOvr>
+    <a:masterClrMapping/>
+  </p:clrMapOvr>
 </p:sldLayout>
 </file>
 
 <file path=ppt/slideLayouts/slideLayout14.xml><?xml version="1.0" encoding="utf-8"?>
-<p:sldLayout xmlns:a="http://schemas.openxmlformats.org/drawingml/2006/main" xmlns:p="http://schemas.openxmlformats.org/presentationml/2006/main" xmlns:r="http://schemas.openxmlformats.org/officeDocument/2006/relationships" type="tx" preserve="1">
+<p:sldLayout xmlns:a="http://schemas.openxmlformats.org/drawingml/2006/main" xmlns:r="http://schemas.openxmlformats.org/officeDocument/2006/relationships" xmlns:p="http://schemas.openxmlformats.org/presentationml/2006/main" type="tx" preserve="1">
   <p:cSld name="Title Slide">
     <p:spTree>
       <p:nvGrpSpPr>
@@ -505,7 +626,8 @@
           </a:prstGeom>
         </p:spPr>
         <p:txBody>
-          <a:bodyPr wrap="none" lIns="0" rIns="0" tIns="0" bIns="0" anchor="ctr"/>
+          <a:bodyPr wrap="none" lIns="0" tIns="0" rIns="0" bIns="0" anchor="ctr"/>
+          <a:lstStyle/>
           <a:p>
             <a:endParaRPr/>
           </a:p>
@@ -531,7 +653,8 @@
           </a:prstGeom>
         </p:spPr>
         <p:txBody>
-          <a:bodyPr wrap="none" lIns="0" rIns="0" tIns="0" bIns="0" anchor="ctr"/>
+          <a:bodyPr wrap="none" lIns="0" tIns="0" rIns="0" bIns="0" anchor="ctr"/>
+          <a:lstStyle/>
           <a:p>
             <a:pPr algn="ctr"/>
             <a:endParaRPr/>
@@ -540,11 +663,14 @@
       </p:sp>
     </p:spTree>
   </p:cSld>
+  <p:clrMapOvr>
+    <a:masterClrMapping/>
+  </p:clrMapOvr>
 </p:sldLayout>
 </file>
 
 <file path=ppt/slideLayouts/slideLayout15.xml><?xml version="1.0" encoding="utf-8"?>
-<p:sldLayout xmlns:a="http://schemas.openxmlformats.org/drawingml/2006/main" xmlns:p="http://schemas.openxmlformats.org/presentationml/2006/main" xmlns:r="http://schemas.openxmlformats.org/officeDocument/2006/relationships" type="obj" preserve="1">
+<p:sldLayout xmlns:a="http://schemas.openxmlformats.org/drawingml/2006/main" xmlns:r="http://schemas.openxmlformats.org/officeDocument/2006/relationships" xmlns:p="http://schemas.openxmlformats.org/presentationml/2006/main" type="obj" preserve="1">
   <p:cSld name="Title, Content">
     <p:spTree>
       <p:nvGrpSpPr>
@@ -580,7 +706,8 @@
           </a:prstGeom>
         </p:spPr>
         <p:txBody>
-          <a:bodyPr wrap="none" lIns="0" rIns="0" tIns="0" bIns="0" anchor="ctr"/>
+          <a:bodyPr wrap="none" lIns="0" tIns="0" rIns="0" bIns="0" anchor="ctr"/>
+          <a:lstStyle/>
           <a:p>
             <a:endParaRPr/>
           </a:p>
@@ -606,7 +733,8 @@
           </a:prstGeom>
         </p:spPr>
         <p:txBody>
-          <a:bodyPr wrap="none" lIns="0" rIns="0" tIns="0" bIns="0"/>
+          <a:bodyPr wrap="none" lIns="0" tIns="0" rIns="0" bIns="0"/>
+          <a:lstStyle/>
           <a:p>
             <a:endParaRPr/>
           </a:p>
@@ -614,11 +742,14 @@
       </p:sp>
     </p:spTree>
   </p:cSld>
+  <p:clrMapOvr>
+    <a:masterClrMapping/>
+  </p:clrMapOvr>
 </p:sldLayout>
 </file>
 
 <file path=ppt/slideLayouts/slideLayout16.xml><?xml version="1.0" encoding="utf-8"?>
-<p:sldLayout xmlns:a="http://schemas.openxmlformats.org/drawingml/2006/main" xmlns:p="http://schemas.openxmlformats.org/presentationml/2006/main" xmlns:r="http://schemas.openxmlformats.org/officeDocument/2006/relationships" type="twoObj" preserve="1">
+<p:sldLayout xmlns:a="http://schemas.openxmlformats.org/drawingml/2006/main" xmlns:r="http://schemas.openxmlformats.org/officeDocument/2006/relationships" xmlns:p="http://schemas.openxmlformats.org/presentationml/2006/main" type="twoObj" preserve="1">
   <p:cSld name="Title, 2 Content">
     <p:spTree>
       <p:nvGrpSpPr>
@@ -654,7 +785,8 @@
           </a:prstGeom>
         </p:spPr>
         <p:txBody>
-          <a:bodyPr wrap="none" lIns="0" rIns="0" tIns="0" bIns="0" anchor="ctr"/>
+          <a:bodyPr wrap="none" lIns="0" tIns="0" rIns="0" bIns="0" anchor="ctr"/>
+          <a:lstStyle/>
           <a:p>
             <a:endParaRPr/>
           </a:p>
@@ -680,7 +812,8 @@
           </a:prstGeom>
         </p:spPr>
         <p:txBody>
-          <a:bodyPr wrap="none" lIns="0" rIns="0" tIns="0" bIns="0"/>
+          <a:bodyPr wrap="none" lIns="0" tIns="0" rIns="0" bIns="0"/>
+          <a:lstStyle/>
           <a:p>
             <a:endParaRPr/>
           </a:p>
@@ -706,7 +839,8 @@
           </a:prstGeom>
         </p:spPr>
         <p:txBody>
-          <a:bodyPr wrap="none" lIns="0" rIns="0" tIns="0" bIns="0"/>
+          <a:bodyPr wrap="none" lIns="0" tIns="0" rIns="0" bIns="0"/>
+          <a:lstStyle/>
           <a:p>
             <a:endParaRPr/>
           </a:p>
@@ -714,11 +848,14 @@
       </p:sp>
     </p:spTree>
   </p:cSld>
+  <p:clrMapOvr>
+    <a:masterClrMapping/>
+  </p:clrMapOvr>
 </p:sldLayout>
 </file>
 
 <file path=ppt/slideLayouts/slideLayout17.xml><?xml version="1.0" encoding="utf-8"?>
-<p:sldLayout xmlns:a="http://schemas.openxmlformats.org/drawingml/2006/main" xmlns:p="http://schemas.openxmlformats.org/presentationml/2006/main" xmlns:r="http://schemas.openxmlformats.org/officeDocument/2006/relationships" type="titleOnly" preserve="1">
+<p:sldLayout xmlns:a="http://schemas.openxmlformats.org/drawingml/2006/main" xmlns:r="http://schemas.openxmlformats.org/officeDocument/2006/relationships" xmlns:p="http://schemas.openxmlformats.org/presentationml/2006/main" type="titleOnly" preserve="1">
   <p:cSld name="Title Only">
     <p:spTree>
       <p:nvGrpSpPr>
@@ -754,7 +891,8 @@
           </a:prstGeom>
         </p:spPr>
         <p:txBody>
-          <a:bodyPr wrap="none" lIns="0" rIns="0" tIns="0" bIns="0" anchor="ctr"/>
+          <a:bodyPr wrap="none" lIns="0" tIns="0" rIns="0" bIns="0" anchor="ctr"/>
+          <a:lstStyle/>
           <a:p>
             <a:endParaRPr/>
           </a:p>
@@ -762,11 +900,14 @@
       </p:sp>
     </p:spTree>
   </p:cSld>
+  <p:clrMapOvr>
+    <a:masterClrMapping/>
+  </p:clrMapOvr>
 </p:sldLayout>
 </file>
 
 <file path=ppt/slideLayouts/slideLayout18.xml><?xml version="1.0" encoding="utf-8"?>
-<p:sldLayout xmlns:a="http://schemas.openxmlformats.org/drawingml/2006/main" xmlns:p="http://schemas.openxmlformats.org/presentationml/2006/main" xmlns:r="http://schemas.openxmlformats.org/officeDocument/2006/relationships" type="objOnly" preserve="1">
+<p:sldLayout xmlns:a="http://schemas.openxmlformats.org/drawingml/2006/main" xmlns:r="http://schemas.openxmlformats.org/officeDocument/2006/relationships" xmlns:p="http://schemas.openxmlformats.org/presentationml/2006/main" type="objOnly" preserve="1">
   <p:cSld name="Centered Text">
     <p:spTree>
       <p:nvGrpSpPr>
@@ -802,7 +943,8 @@
           </a:prstGeom>
         </p:spPr>
         <p:txBody>
-          <a:bodyPr wrap="none" lIns="0" rIns="0" tIns="0" bIns="0" anchor="ctr"/>
+          <a:bodyPr wrap="none" lIns="0" tIns="0" rIns="0" bIns="0" anchor="ctr"/>
+          <a:lstStyle/>
           <a:p>
             <a:pPr algn="ctr"/>
             <a:endParaRPr/>
@@ -811,11 +953,14 @@
       </p:sp>
     </p:spTree>
   </p:cSld>
+  <p:clrMapOvr>
+    <a:masterClrMapping/>
+  </p:clrMapOvr>
 </p:sldLayout>
 </file>
 
 <file path=ppt/slideLayouts/slideLayout19.xml><?xml version="1.0" encoding="utf-8"?>
-<p:sldLayout xmlns:a="http://schemas.openxmlformats.org/drawingml/2006/main" xmlns:p="http://schemas.openxmlformats.org/presentationml/2006/main" xmlns:r="http://schemas.openxmlformats.org/officeDocument/2006/relationships" type="twoObjAndObj" preserve="1">
+<p:sldLayout xmlns:a="http://schemas.openxmlformats.org/drawingml/2006/main" xmlns:r="http://schemas.openxmlformats.org/officeDocument/2006/relationships" xmlns:p="http://schemas.openxmlformats.org/presentationml/2006/main" type="twoObjAndObj" preserve="1">
   <p:cSld name="Title, 2 Content and Content">
     <p:spTree>
       <p:nvGrpSpPr>
@@ -851,7 +996,8 @@
           </a:prstGeom>
         </p:spPr>
         <p:txBody>
-          <a:bodyPr wrap="none" lIns="0" rIns="0" tIns="0" bIns="0" anchor="ctr"/>
+          <a:bodyPr wrap="none" lIns="0" tIns="0" rIns="0" bIns="0" anchor="ctr"/>
+          <a:lstStyle/>
           <a:p>
             <a:endParaRPr/>
           </a:p>
@@ -877,7 +1023,8 @@
           </a:prstGeom>
         </p:spPr>
         <p:txBody>
-          <a:bodyPr wrap="none" lIns="0" rIns="0" tIns="0" bIns="0"/>
+          <a:bodyPr wrap="none" lIns="0" tIns="0" rIns="0" bIns="0"/>
+          <a:lstStyle/>
           <a:p>
             <a:endParaRPr/>
           </a:p>
@@ -903,7 +1050,8 @@
           </a:prstGeom>
         </p:spPr>
         <p:txBody>
-          <a:bodyPr wrap="none" lIns="0" rIns="0" tIns="0" bIns="0"/>
+          <a:bodyPr wrap="none" lIns="0" tIns="0" rIns="0" bIns="0"/>
+          <a:lstStyle/>
           <a:p>
             <a:endParaRPr/>
           </a:p>
@@ -929,7 +1077,8 @@
           </a:prstGeom>
         </p:spPr>
         <p:txBody>
-          <a:bodyPr wrap="none" lIns="0" rIns="0" tIns="0" bIns="0"/>
+          <a:bodyPr wrap="none" lIns="0" tIns="0" rIns="0" bIns="0"/>
+          <a:lstStyle/>
           <a:p>
             <a:endParaRPr/>
           </a:p>
@@ -937,11 +1086,14 @@
       </p:sp>
     </p:spTree>
   </p:cSld>
+  <p:clrMapOvr>
+    <a:masterClrMapping/>
+  </p:clrMapOvr>
 </p:sldLayout>
 </file>
 
 <file path=ppt/slideLayouts/slideLayout2.xml><?xml version="1.0" encoding="utf-8"?>
-<p:sldLayout xmlns:a="http://schemas.openxmlformats.org/drawingml/2006/main" xmlns:p="http://schemas.openxmlformats.org/presentationml/2006/main" xmlns:r="http://schemas.openxmlformats.org/officeDocument/2006/relationships" type="tx" preserve="1">
+<p:sldLayout xmlns:a="http://schemas.openxmlformats.org/drawingml/2006/main" xmlns:r="http://schemas.openxmlformats.org/officeDocument/2006/relationships" xmlns:p="http://schemas.openxmlformats.org/presentationml/2006/main" type="tx" preserve="1">
   <p:cSld name="Title Slide">
     <p:spTree>
       <p:nvGrpSpPr>
@@ -977,7 +1129,8 @@
           </a:prstGeom>
         </p:spPr>
         <p:txBody>
-          <a:bodyPr wrap="none" lIns="0" rIns="0" tIns="0" bIns="0" anchor="ctr"/>
+          <a:bodyPr wrap="none" lIns="0" tIns="0" rIns="0" bIns="0" anchor="ctr"/>
+          <a:lstStyle/>
           <a:p>
             <a:endParaRPr/>
           </a:p>
@@ -1003,7 +1156,8 @@
           </a:prstGeom>
         </p:spPr>
         <p:txBody>
-          <a:bodyPr wrap="none" lIns="0" rIns="0" tIns="0" bIns="0" anchor="ctr"/>
+          <a:bodyPr wrap="none" lIns="0" tIns="0" rIns="0" bIns="0" anchor="ctr"/>
+          <a:lstStyle/>
           <a:p>
             <a:pPr algn="ctr"/>
             <a:endParaRPr/>
@@ -1012,11 +1166,14 @@
       </p:sp>
     </p:spTree>
   </p:cSld>
+  <p:clrMapOvr>
+    <a:masterClrMapping/>
+  </p:clrMapOvr>
 </p:sldLayout>
 </file>
 
 <file path=ppt/slideLayouts/slideLayout20.xml><?xml version="1.0" encoding="utf-8"?>
-<p:sldLayout xmlns:a="http://schemas.openxmlformats.org/drawingml/2006/main" xmlns:p="http://schemas.openxmlformats.org/presentationml/2006/main" xmlns:r="http://schemas.openxmlformats.org/officeDocument/2006/relationships" type="objAndTwoObj" preserve="1">
+<p:sldLayout xmlns:a="http://schemas.openxmlformats.org/drawingml/2006/main" xmlns:r="http://schemas.openxmlformats.org/officeDocument/2006/relationships" xmlns:p="http://schemas.openxmlformats.org/presentationml/2006/main" type="objAndTwoObj" preserve="1">
   <p:cSld name="Title Content and 2 Content">
     <p:spTree>
       <p:nvGrpSpPr>
@@ -1052,7 +1209,8 @@
           </a:prstGeom>
         </p:spPr>
         <p:txBody>
-          <a:bodyPr wrap="none" lIns="0" rIns="0" tIns="0" bIns="0" anchor="ctr"/>
+          <a:bodyPr wrap="none" lIns="0" tIns="0" rIns="0" bIns="0" anchor="ctr"/>
+          <a:lstStyle/>
           <a:p>
             <a:endParaRPr/>
           </a:p>
@@ -1078,7 +1236,8 @@
           </a:prstGeom>
         </p:spPr>
         <p:txBody>
-          <a:bodyPr wrap="none" lIns="0" rIns="0" tIns="0" bIns="0"/>
+          <a:bodyPr wrap="none" lIns="0" tIns="0" rIns="0" bIns="0"/>
+          <a:lstStyle/>
           <a:p>
             <a:endParaRPr/>
           </a:p>
@@ -1104,7 +1263,8 @@
           </a:prstGeom>
         </p:spPr>
         <p:txBody>
-          <a:bodyPr wrap="none" lIns="0" rIns="0" tIns="0" bIns="0"/>
+          <a:bodyPr wrap="none" lIns="0" tIns="0" rIns="0" bIns="0"/>
+          <a:lstStyle/>
           <a:p>
             <a:endParaRPr/>
           </a:p>
@@ -1130,7 +1290,8 @@
           </a:prstGeom>
         </p:spPr>
         <p:txBody>
-          <a:bodyPr wrap="none" lIns="0" rIns="0" tIns="0" bIns="0"/>
+          <a:bodyPr wrap="none" lIns="0" tIns="0" rIns="0" bIns="0"/>
+          <a:lstStyle/>
           <a:p>
             <a:endParaRPr/>
           </a:p>
@@ -1138,11 +1299,14 @@
       </p:sp>
     </p:spTree>
   </p:cSld>
+  <p:clrMapOvr>
+    <a:masterClrMapping/>
+  </p:clrMapOvr>
 </p:sldLayout>
 </file>
 
 <file path=ppt/slideLayouts/slideLayout21.xml><?xml version="1.0" encoding="utf-8"?>
-<p:sldLayout xmlns:a="http://schemas.openxmlformats.org/drawingml/2006/main" xmlns:p="http://schemas.openxmlformats.org/presentationml/2006/main" xmlns:r="http://schemas.openxmlformats.org/officeDocument/2006/relationships" type="twoObjOverTx" preserve="1">
+<p:sldLayout xmlns:a="http://schemas.openxmlformats.org/drawingml/2006/main" xmlns:r="http://schemas.openxmlformats.org/officeDocument/2006/relationships" xmlns:p="http://schemas.openxmlformats.org/presentationml/2006/main" type="twoObjOverTx" preserve="1">
   <p:cSld name="Title, 2 Content over Content">
     <p:spTree>
       <p:nvGrpSpPr>
@@ -1178,7 +1342,8 @@
           </a:prstGeom>
         </p:spPr>
         <p:txBody>
-          <a:bodyPr wrap="none" lIns="0" rIns="0" tIns="0" bIns="0" anchor="ctr"/>
+          <a:bodyPr wrap="none" lIns="0" tIns="0" rIns="0" bIns="0" anchor="ctr"/>
+          <a:lstStyle/>
           <a:p>
             <a:endParaRPr/>
           </a:p>
@@ -1204,7 +1369,8 @@
           </a:prstGeom>
         </p:spPr>
         <p:txBody>
-          <a:bodyPr wrap="none" lIns="0" rIns="0" tIns="0" bIns="0"/>
+          <a:bodyPr wrap="none" lIns="0" tIns="0" rIns="0" bIns="0"/>
+          <a:lstStyle/>
           <a:p>
             <a:endParaRPr/>
           </a:p>
@@ -1230,7 +1396,8 @@
           </a:prstGeom>
         </p:spPr>
         <p:txBody>
-          <a:bodyPr wrap="none" lIns="0" rIns="0" tIns="0" bIns="0"/>
+          <a:bodyPr wrap="none" lIns="0" tIns="0" rIns="0" bIns="0"/>
+          <a:lstStyle/>
           <a:p>
             <a:endParaRPr/>
           </a:p>
@@ -1256,7 +1423,8 @@
           </a:prstGeom>
         </p:spPr>
         <p:txBody>
-          <a:bodyPr wrap="none" lIns="0" rIns="0" tIns="0" bIns="0"/>
+          <a:bodyPr wrap="none" lIns="0" tIns="0" rIns="0" bIns="0"/>
+          <a:lstStyle/>
           <a:p>
             <a:endParaRPr/>
           </a:p>
@@ -1264,11 +1432,14 @@
       </p:sp>
     </p:spTree>
   </p:cSld>
+  <p:clrMapOvr>
+    <a:masterClrMapping/>
+  </p:clrMapOvr>
 </p:sldLayout>
 </file>
 
 <file path=ppt/slideLayouts/slideLayout22.xml><?xml version="1.0" encoding="utf-8"?>
-<p:sldLayout xmlns:a="http://schemas.openxmlformats.org/drawingml/2006/main" xmlns:p="http://schemas.openxmlformats.org/presentationml/2006/main" xmlns:r="http://schemas.openxmlformats.org/officeDocument/2006/relationships" type="objOverTx" preserve="1">
+<p:sldLayout xmlns:a="http://schemas.openxmlformats.org/drawingml/2006/main" xmlns:r="http://schemas.openxmlformats.org/officeDocument/2006/relationships" xmlns:p="http://schemas.openxmlformats.org/presentationml/2006/main" type="objOverTx" preserve="1">
   <p:cSld name="Title, Content over Content">
     <p:spTree>
       <p:nvGrpSpPr>
@@ -1304,7 +1475,8 @@
           </a:prstGeom>
         </p:spPr>
         <p:txBody>
-          <a:bodyPr wrap="none" lIns="0" rIns="0" tIns="0" bIns="0" anchor="ctr"/>
+          <a:bodyPr wrap="none" lIns="0" tIns="0" rIns="0" bIns="0" anchor="ctr"/>
+          <a:lstStyle/>
           <a:p>
             <a:endParaRPr/>
           </a:p>
@@ -1330,7 +1502,8 @@
           </a:prstGeom>
         </p:spPr>
         <p:txBody>
-          <a:bodyPr wrap="none" lIns="0" rIns="0" tIns="0" bIns="0"/>
+          <a:bodyPr wrap="none" lIns="0" tIns="0" rIns="0" bIns="0"/>
+          <a:lstStyle/>
           <a:p>
             <a:endParaRPr/>
           </a:p>
@@ -1356,7 +1529,8 @@
           </a:prstGeom>
         </p:spPr>
         <p:txBody>
-          <a:bodyPr wrap="none" lIns="0" rIns="0" tIns="0" bIns="0"/>
+          <a:bodyPr wrap="none" lIns="0" tIns="0" rIns="0" bIns="0"/>
+          <a:lstStyle/>
           <a:p>
             <a:endParaRPr/>
           </a:p>
@@ -1364,11 +1538,14 @@
       </p:sp>
     </p:spTree>
   </p:cSld>
+  <p:clrMapOvr>
+    <a:masterClrMapping/>
+  </p:clrMapOvr>
 </p:sldLayout>
 </file>
 
 <file path=ppt/slideLayouts/slideLayout23.xml><?xml version="1.0" encoding="utf-8"?>
-<p:sldLayout xmlns:a="http://schemas.openxmlformats.org/drawingml/2006/main" xmlns:p="http://schemas.openxmlformats.org/presentationml/2006/main" xmlns:r="http://schemas.openxmlformats.org/officeDocument/2006/relationships" type="fourObj" preserve="1">
+<p:sldLayout xmlns:a="http://schemas.openxmlformats.org/drawingml/2006/main" xmlns:r="http://schemas.openxmlformats.org/officeDocument/2006/relationships" xmlns:p="http://schemas.openxmlformats.org/presentationml/2006/main" type="fourObj" preserve="1">
   <p:cSld name="Title, 4 Content">
     <p:spTree>
       <p:nvGrpSpPr>
@@ -1404,7 +1581,8 @@
           </a:prstGeom>
         </p:spPr>
         <p:txBody>
-          <a:bodyPr wrap="none" lIns="0" rIns="0" tIns="0" bIns="0" anchor="ctr"/>
+          <a:bodyPr wrap="none" lIns="0" tIns="0" rIns="0" bIns="0" anchor="ctr"/>
+          <a:lstStyle/>
           <a:p>
             <a:endParaRPr/>
           </a:p>
@@ -1430,7 +1608,8 @@
           </a:prstGeom>
         </p:spPr>
         <p:txBody>
-          <a:bodyPr wrap="none" lIns="0" rIns="0" tIns="0" bIns="0"/>
+          <a:bodyPr wrap="none" lIns="0" tIns="0" rIns="0" bIns="0"/>
+          <a:lstStyle/>
           <a:p>
             <a:endParaRPr/>
           </a:p>
@@ -1456,7 +1635,8 @@
           </a:prstGeom>
         </p:spPr>
         <p:txBody>
-          <a:bodyPr wrap="none" lIns="0" rIns="0" tIns="0" bIns="0"/>
+          <a:bodyPr wrap="none" lIns="0" tIns="0" rIns="0" bIns="0"/>
+          <a:lstStyle/>
           <a:p>
             <a:endParaRPr/>
           </a:p>
@@ -1482,7 +1662,8 @@
           </a:prstGeom>
         </p:spPr>
         <p:txBody>
-          <a:bodyPr wrap="none" lIns="0" rIns="0" tIns="0" bIns="0"/>
+          <a:bodyPr wrap="none" lIns="0" tIns="0" rIns="0" bIns="0"/>
+          <a:lstStyle/>
           <a:p>
             <a:endParaRPr/>
           </a:p>
@@ -1508,7 +1689,8 @@
           </a:prstGeom>
         </p:spPr>
         <p:txBody>
-          <a:bodyPr wrap="none" lIns="0" rIns="0" tIns="0" bIns="0"/>
+          <a:bodyPr wrap="none" lIns="0" tIns="0" rIns="0" bIns="0"/>
+          <a:lstStyle/>
           <a:p>
             <a:endParaRPr/>
           </a:p>
@@ -1516,11 +1698,14 @@
       </p:sp>
     </p:spTree>
   </p:cSld>
+  <p:clrMapOvr>
+    <a:masterClrMapping/>
+  </p:clrMapOvr>
 </p:sldLayout>
 </file>
 
 <file path=ppt/slideLayouts/slideLayout24.xml><?xml version="1.0" encoding="utf-8"?>
-<p:sldLayout xmlns:a="http://schemas.openxmlformats.org/drawingml/2006/main" xmlns:p="http://schemas.openxmlformats.org/presentationml/2006/main" xmlns:r="http://schemas.openxmlformats.org/officeDocument/2006/relationships" type="blank" preserve="1">
+<p:sldLayout xmlns:a="http://schemas.openxmlformats.org/drawingml/2006/main" xmlns:r="http://schemas.openxmlformats.org/officeDocument/2006/relationships" xmlns:p="http://schemas.openxmlformats.org/presentationml/2006/main" type="blank" preserve="1">
   <p:cSld name="Title, 6 Content">
     <p:spTree>
       <p:nvGrpSpPr>
@@ -1556,7 +1741,8 @@
           </a:prstGeom>
         </p:spPr>
         <p:txBody>
-          <a:bodyPr wrap="none" lIns="0" rIns="0" tIns="0" bIns="0" anchor="ctr"/>
+          <a:bodyPr wrap="none" lIns="0" tIns="0" rIns="0" bIns="0" anchor="ctr"/>
+          <a:lstStyle/>
           <a:p>
             <a:endParaRPr/>
           </a:p>
@@ -1582,7 +1768,8 @@
           </a:prstGeom>
         </p:spPr>
         <p:txBody>
-          <a:bodyPr wrap="none" lIns="0" rIns="0" tIns="0" bIns="0"/>
+          <a:bodyPr wrap="none" lIns="0" tIns="0" rIns="0" bIns="0"/>
+          <a:lstStyle/>
           <a:p>
             <a:endParaRPr/>
           </a:p>
@@ -1608,7 +1795,8 @@
           </a:prstGeom>
         </p:spPr>
         <p:txBody>
-          <a:bodyPr wrap="none" lIns="0" rIns="0" tIns="0" bIns="0"/>
+          <a:bodyPr wrap="none" lIns="0" tIns="0" rIns="0" bIns="0"/>
+          <a:lstStyle/>
           <a:p>
             <a:endParaRPr/>
           </a:p>
@@ -1616,7 +1804,7 @@
       </p:sp>
       <p:pic>
         <p:nvPicPr>
-          <p:cNvPr id="76" name="" descr=""/>
+          <p:cNvPr id="76" name="75 Imagen"/>
           <p:cNvPicPr/>
           <p:nvPr/>
         </p:nvPicPr>
@@ -1641,12 +1829,12 @@
       </p:pic>
       <p:pic>
         <p:nvPicPr>
-          <p:cNvPr id="77" name="" descr=""/>
+          <p:cNvPr id="77" name="76 Imagen"/>
           <p:cNvPicPr/>
           <p:nvPr/>
         </p:nvPicPr>
         <p:blipFill>
-          <a:blip r:embed="rId3"/>
+          <a:blip r:embed="rId2"/>
           <a:stretch>
             <a:fillRect/>
           </a:stretch>
@@ -1666,11 +1854,14 @@
       </p:pic>
     </p:spTree>
   </p:cSld>
+  <p:clrMapOvr>
+    <a:masterClrMapping/>
+  </p:clrMapOvr>
 </p:sldLayout>
 </file>
 
 <file path=ppt/slideLayouts/slideLayout25.xml><?xml version="1.0" encoding="utf-8"?>
-<p:sldLayout xmlns:a="http://schemas.openxmlformats.org/drawingml/2006/main" xmlns:p="http://schemas.openxmlformats.org/presentationml/2006/main" xmlns:r="http://schemas.openxmlformats.org/officeDocument/2006/relationships" type="blank" preserve="1">
+<p:sldLayout xmlns:a="http://schemas.openxmlformats.org/drawingml/2006/main" xmlns:r="http://schemas.openxmlformats.org/officeDocument/2006/relationships" xmlns:p="http://schemas.openxmlformats.org/presentationml/2006/main" type="blank" preserve="1">
   <p:cSld name="Blank Slide">
     <p:spTree>
       <p:nvGrpSpPr>
@@ -1688,11 +1879,14 @@
       </p:grpSpPr>
     </p:spTree>
   </p:cSld>
+  <p:clrMapOvr>
+    <a:masterClrMapping/>
+  </p:clrMapOvr>
 </p:sldLayout>
 </file>
 
 <file path=ppt/slideLayouts/slideLayout26.xml><?xml version="1.0" encoding="utf-8"?>
-<p:sldLayout xmlns:a="http://schemas.openxmlformats.org/drawingml/2006/main" xmlns:p="http://schemas.openxmlformats.org/presentationml/2006/main" xmlns:r="http://schemas.openxmlformats.org/officeDocument/2006/relationships" type="tx" preserve="1">
+<p:sldLayout xmlns:a="http://schemas.openxmlformats.org/drawingml/2006/main" xmlns:r="http://schemas.openxmlformats.org/officeDocument/2006/relationships" xmlns:p="http://schemas.openxmlformats.org/presentationml/2006/main" type="tx" preserve="1">
   <p:cSld name="Title Slide">
     <p:spTree>
       <p:nvGrpSpPr>
@@ -1728,7 +1922,8 @@
           </a:prstGeom>
         </p:spPr>
         <p:txBody>
-          <a:bodyPr wrap="none" lIns="0" rIns="0" tIns="0" bIns="0" anchor="ctr"/>
+          <a:bodyPr wrap="none" lIns="0" tIns="0" rIns="0" bIns="0" anchor="ctr"/>
+          <a:lstStyle/>
           <a:p>
             <a:endParaRPr/>
           </a:p>
@@ -1754,7 +1949,8 @@
           </a:prstGeom>
         </p:spPr>
         <p:txBody>
-          <a:bodyPr wrap="none" lIns="0" rIns="0" tIns="0" bIns="0" anchor="ctr"/>
+          <a:bodyPr wrap="none" lIns="0" tIns="0" rIns="0" bIns="0" anchor="ctr"/>
+          <a:lstStyle/>
           <a:p>
             <a:pPr algn="ctr"/>
             <a:endParaRPr/>
@@ -1763,11 +1959,14 @@
       </p:sp>
     </p:spTree>
   </p:cSld>
+  <p:clrMapOvr>
+    <a:masterClrMapping/>
+  </p:clrMapOvr>
 </p:sldLayout>
 </file>
 
 <file path=ppt/slideLayouts/slideLayout27.xml><?xml version="1.0" encoding="utf-8"?>
-<p:sldLayout xmlns:a="http://schemas.openxmlformats.org/drawingml/2006/main" xmlns:p="http://schemas.openxmlformats.org/presentationml/2006/main" xmlns:r="http://schemas.openxmlformats.org/officeDocument/2006/relationships" type="obj" preserve="1">
+<p:sldLayout xmlns:a="http://schemas.openxmlformats.org/drawingml/2006/main" xmlns:r="http://schemas.openxmlformats.org/officeDocument/2006/relationships" xmlns:p="http://schemas.openxmlformats.org/presentationml/2006/main" type="obj" preserve="1">
   <p:cSld name="Title, Content">
     <p:spTree>
       <p:nvGrpSpPr>
@@ -1803,7 +2002,8 @@
           </a:prstGeom>
         </p:spPr>
         <p:txBody>
-          <a:bodyPr wrap="none" lIns="0" rIns="0" tIns="0" bIns="0" anchor="ctr"/>
+          <a:bodyPr wrap="none" lIns="0" tIns="0" rIns="0" bIns="0" anchor="ctr"/>
+          <a:lstStyle/>
           <a:p>
             <a:endParaRPr/>
           </a:p>
@@ -1829,7 +2029,8 @@
           </a:prstGeom>
         </p:spPr>
         <p:txBody>
-          <a:bodyPr wrap="none" lIns="0" rIns="0" tIns="0" bIns="0"/>
+          <a:bodyPr wrap="none" lIns="0" tIns="0" rIns="0" bIns="0"/>
+          <a:lstStyle/>
           <a:p>
             <a:endParaRPr/>
           </a:p>
@@ -1837,11 +2038,14 @@
       </p:sp>
     </p:spTree>
   </p:cSld>
+  <p:clrMapOvr>
+    <a:masterClrMapping/>
+  </p:clrMapOvr>
 </p:sldLayout>
 </file>
 
 <file path=ppt/slideLayouts/slideLayout28.xml><?xml version="1.0" encoding="utf-8"?>
-<p:sldLayout xmlns:a="http://schemas.openxmlformats.org/drawingml/2006/main" xmlns:p="http://schemas.openxmlformats.org/presentationml/2006/main" xmlns:r="http://schemas.openxmlformats.org/officeDocument/2006/relationships" type="twoObj" preserve="1">
+<p:sldLayout xmlns:a="http://schemas.openxmlformats.org/drawingml/2006/main" xmlns:r="http://schemas.openxmlformats.org/officeDocument/2006/relationships" xmlns:p="http://schemas.openxmlformats.org/presentationml/2006/main" type="twoObj" preserve="1">
   <p:cSld name="Title, 2 Content">
     <p:spTree>
       <p:nvGrpSpPr>
@@ -1877,7 +2081,8 @@
           </a:prstGeom>
         </p:spPr>
         <p:txBody>
-          <a:bodyPr wrap="none" lIns="0" rIns="0" tIns="0" bIns="0" anchor="ctr"/>
+          <a:bodyPr wrap="none" lIns="0" tIns="0" rIns="0" bIns="0" anchor="ctr"/>
+          <a:lstStyle/>
           <a:p>
             <a:endParaRPr/>
           </a:p>
@@ -1903,7 +2108,8 @@
           </a:prstGeom>
         </p:spPr>
         <p:txBody>
-          <a:bodyPr wrap="none" lIns="0" rIns="0" tIns="0" bIns="0"/>
+          <a:bodyPr wrap="none" lIns="0" tIns="0" rIns="0" bIns="0"/>
+          <a:lstStyle/>
           <a:p>
             <a:endParaRPr/>
           </a:p>
@@ -1929,7 +2135,8 @@
           </a:prstGeom>
         </p:spPr>
         <p:txBody>
-          <a:bodyPr wrap="none" lIns="0" rIns="0" tIns="0" bIns="0"/>
+          <a:bodyPr wrap="none" lIns="0" tIns="0" rIns="0" bIns="0"/>
+          <a:lstStyle/>
           <a:p>
             <a:endParaRPr/>
           </a:p>
@@ -1937,11 +2144,14 @@
       </p:sp>
     </p:spTree>
   </p:cSld>
+  <p:clrMapOvr>
+    <a:masterClrMapping/>
+  </p:clrMapOvr>
 </p:sldLayout>
 </file>
 
 <file path=ppt/slideLayouts/slideLayout29.xml><?xml version="1.0" encoding="utf-8"?>
-<p:sldLayout xmlns:a="http://schemas.openxmlformats.org/drawingml/2006/main" xmlns:p="http://schemas.openxmlformats.org/presentationml/2006/main" xmlns:r="http://schemas.openxmlformats.org/officeDocument/2006/relationships" type="titleOnly" preserve="1">
+<p:sldLayout xmlns:a="http://schemas.openxmlformats.org/drawingml/2006/main" xmlns:r="http://schemas.openxmlformats.org/officeDocument/2006/relationships" xmlns:p="http://schemas.openxmlformats.org/presentationml/2006/main" type="titleOnly" preserve="1">
   <p:cSld name="Title Only">
     <p:spTree>
       <p:nvGrpSpPr>
@@ -1977,7 +2187,8 @@
           </a:prstGeom>
         </p:spPr>
         <p:txBody>
-          <a:bodyPr wrap="none" lIns="0" rIns="0" tIns="0" bIns="0" anchor="ctr"/>
+          <a:bodyPr wrap="none" lIns="0" tIns="0" rIns="0" bIns="0" anchor="ctr"/>
+          <a:lstStyle/>
           <a:p>
             <a:endParaRPr/>
           </a:p>
@@ -1985,11 +2196,14 @@
       </p:sp>
     </p:spTree>
   </p:cSld>
+  <p:clrMapOvr>
+    <a:masterClrMapping/>
+  </p:clrMapOvr>
 </p:sldLayout>
 </file>
 
 <file path=ppt/slideLayouts/slideLayout3.xml><?xml version="1.0" encoding="utf-8"?>
-<p:sldLayout xmlns:a="http://schemas.openxmlformats.org/drawingml/2006/main" xmlns:p="http://schemas.openxmlformats.org/presentationml/2006/main" xmlns:r="http://schemas.openxmlformats.org/officeDocument/2006/relationships" type="obj" preserve="1">
+<p:sldLayout xmlns:a="http://schemas.openxmlformats.org/drawingml/2006/main" xmlns:r="http://schemas.openxmlformats.org/officeDocument/2006/relationships" xmlns:p="http://schemas.openxmlformats.org/presentationml/2006/main" type="obj" preserve="1">
   <p:cSld name="Title, Content">
     <p:spTree>
       <p:nvGrpSpPr>
@@ -2025,7 +2239,8 @@
           </a:prstGeom>
         </p:spPr>
         <p:txBody>
-          <a:bodyPr wrap="none" lIns="0" rIns="0" tIns="0" bIns="0" anchor="ctr"/>
+          <a:bodyPr wrap="none" lIns="0" tIns="0" rIns="0" bIns="0" anchor="ctr"/>
+          <a:lstStyle/>
           <a:p>
             <a:endParaRPr/>
           </a:p>
@@ -2051,7 +2266,8 @@
           </a:prstGeom>
         </p:spPr>
         <p:txBody>
-          <a:bodyPr wrap="none" lIns="0" rIns="0" tIns="0" bIns="0"/>
+          <a:bodyPr wrap="none" lIns="0" tIns="0" rIns="0" bIns="0"/>
+          <a:lstStyle/>
           <a:p>
             <a:endParaRPr/>
           </a:p>
@@ -2059,11 +2275,14 @@
       </p:sp>
     </p:spTree>
   </p:cSld>
+  <p:clrMapOvr>
+    <a:masterClrMapping/>
+  </p:clrMapOvr>
 </p:sldLayout>
 </file>
 
 <file path=ppt/slideLayouts/slideLayout30.xml><?xml version="1.0" encoding="utf-8"?>
-<p:sldLayout xmlns:a="http://schemas.openxmlformats.org/drawingml/2006/main" xmlns:p="http://schemas.openxmlformats.org/presentationml/2006/main" xmlns:r="http://schemas.openxmlformats.org/officeDocument/2006/relationships" type="objOnly" preserve="1">
+<p:sldLayout xmlns:a="http://schemas.openxmlformats.org/drawingml/2006/main" xmlns:r="http://schemas.openxmlformats.org/officeDocument/2006/relationships" xmlns:p="http://schemas.openxmlformats.org/presentationml/2006/main" type="objOnly" preserve="1">
   <p:cSld name="Centered Text">
     <p:spTree>
       <p:nvGrpSpPr>
@@ -2099,7 +2318,8 @@
           </a:prstGeom>
         </p:spPr>
         <p:txBody>
-          <a:bodyPr wrap="none" lIns="0" rIns="0" tIns="0" bIns="0" anchor="ctr"/>
+          <a:bodyPr wrap="none" lIns="0" tIns="0" rIns="0" bIns="0" anchor="ctr"/>
+          <a:lstStyle/>
           <a:p>
             <a:pPr algn="ctr"/>
             <a:endParaRPr/>
@@ -2108,11 +2328,14 @@
       </p:sp>
     </p:spTree>
   </p:cSld>
+  <p:clrMapOvr>
+    <a:masterClrMapping/>
+  </p:clrMapOvr>
 </p:sldLayout>
 </file>
 
 <file path=ppt/slideLayouts/slideLayout31.xml><?xml version="1.0" encoding="utf-8"?>
-<p:sldLayout xmlns:a="http://schemas.openxmlformats.org/drawingml/2006/main" xmlns:p="http://schemas.openxmlformats.org/presentationml/2006/main" xmlns:r="http://schemas.openxmlformats.org/officeDocument/2006/relationships" type="twoObjAndObj" preserve="1">
+<p:sldLayout xmlns:a="http://schemas.openxmlformats.org/drawingml/2006/main" xmlns:r="http://schemas.openxmlformats.org/officeDocument/2006/relationships" xmlns:p="http://schemas.openxmlformats.org/presentationml/2006/main" type="twoObjAndObj" preserve="1">
   <p:cSld name="Title, 2 Content and Content">
     <p:spTree>
       <p:nvGrpSpPr>
@@ -2148,7 +2371,8 @@
           </a:prstGeom>
         </p:spPr>
         <p:txBody>
-          <a:bodyPr wrap="none" lIns="0" rIns="0" tIns="0" bIns="0" anchor="ctr"/>
+          <a:bodyPr wrap="none" lIns="0" tIns="0" rIns="0" bIns="0" anchor="ctr"/>
+          <a:lstStyle/>
           <a:p>
             <a:endParaRPr/>
           </a:p>
@@ -2174,7 +2398,8 @@
           </a:prstGeom>
         </p:spPr>
         <p:txBody>
-          <a:bodyPr wrap="none" lIns="0" rIns="0" tIns="0" bIns="0"/>
+          <a:bodyPr wrap="none" lIns="0" tIns="0" rIns="0" bIns="0"/>
+          <a:lstStyle/>
           <a:p>
             <a:endParaRPr/>
           </a:p>
@@ -2200,7 +2425,8 @@
           </a:prstGeom>
         </p:spPr>
         <p:txBody>
-          <a:bodyPr wrap="none" lIns="0" rIns="0" tIns="0" bIns="0"/>
+          <a:bodyPr wrap="none" lIns="0" tIns="0" rIns="0" bIns="0"/>
+          <a:lstStyle/>
           <a:p>
             <a:endParaRPr/>
           </a:p>
@@ -2226,7 +2452,8 @@
           </a:prstGeom>
         </p:spPr>
         <p:txBody>
-          <a:bodyPr wrap="none" lIns="0" rIns="0" tIns="0" bIns="0"/>
+          <a:bodyPr wrap="none" lIns="0" tIns="0" rIns="0" bIns="0"/>
+          <a:lstStyle/>
           <a:p>
             <a:endParaRPr/>
           </a:p>
@@ -2234,11 +2461,14 @@
       </p:sp>
     </p:spTree>
   </p:cSld>
+  <p:clrMapOvr>
+    <a:masterClrMapping/>
+  </p:clrMapOvr>
 </p:sldLayout>
 </file>
 
 <file path=ppt/slideLayouts/slideLayout32.xml><?xml version="1.0" encoding="utf-8"?>
-<p:sldLayout xmlns:a="http://schemas.openxmlformats.org/drawingml/2006/main" xmlns:p="http://schemas.openxmlformats.org/presentationml/2006/main" xmlns:r="http://schemas.openxmlformats.org/officeDocument/2006/relationships" type="objAndTwoObj" preserve="1">
+<p:sldLayout xmlns:a="http://schemas.openxmlformats.org/drawingml/2006/main" xmlns:r="http://schemas.openxmlformats.org/officeDocument/2006/relationships" xmlns:p="http://schemas.openxmlformats.org/presentationml/2006/main" type="objAndTwoObj" preserve="1">
   <p:cSld name="Title Content and 2 Content">
     <p:spTree>
       <p:nvGrpSpPr>
@@ -2274,7 +2504,8 @@
           </a:prstGeom>
         </p:spPr>
         <p:txBody>
-          <a:bodyPr wrap="none" lIns="0" rIns="0" tIns="0" bIns="0" anchor="ctr"/>
+          <a:bodyPr wrap="none" lIns="0" tIns="0" rIns="0" bIns="0" anchor="ctr"/>
+          <a:lstStyle/>
           <a:p>
             <a:endParaRPr/>
           </a:p>
@@ -2300,7 +2531,8 @@
           </a:prstGeom>
         </p:spPr>
         <p:txBody>
-          <a:bodyPr wrap="none" lIns="0" rIns="0" tIns="0" bIns="0"/>
+          <a:bodyPr wrap="none" lIns="0" tIns="0" rIns="0" bIns="0"/>
+          <a:lstStyle/>
           <a:p>
             <a:endParaRPr/>
           </a:p>
@@ -2326,7 +2558,8 @@
           </a:prstGeom>
         </p:spPr>
         <p:txBody>
-          <a:bodyPr wrap="none" lIns="0" rIns="0" tIns="0" bIns="0"/>
+          <a:bodyPr wrap="none" lIns="0" tIns="0" rIns="0" bIns="0"/>
+          <a:lstStyle/>
           <a:p>
             <a:endParaRPr/>
           </a:p>
@@ -2352,7 +2585,8 @@
           </a:prstGeom>
         </p:spPr>
         <p:txBody>
-          <a:bodyPr wrap="none" lIns="0" rIns="0" tIns="0" bIns="0"/>
+          <a:bodyPr wrap="none" lIns="0" tIns="0" rIns="0" bIns="0"/>
+          <a:lstStyle/>
           <a:p>
             <a:endParaRPr/>
           </a:p>
@@ -2360,11 +2594,14 @@
       </p:sp>
     </p:spTree>
   </p:cSld>
+  <p:clrMapOvr>
+    <a:masterClrMapping/>
+  </p:clrMapOvr>
 </p:sldLayout>
 </file>
 
 <file path=ppt/slideLayouts/slideLayout33.xml><?xml version="1.0" encoding="utf-8"?>
-<p:sldLayout xmlns:a="http://schemas.openxmlformats.org/drawingml/2006/main" xmlns:p="http://schemas.openxmlformats.org/presentationml/2006/main" xmlns:r="http://schemas.openxmlformats.org/officeDocument/2006/relationships" type="twoObjOverTx" preserve="1">
+<p:sldLayout xmlns:a="http://schemas.openxmlformats.org/drawingml/2006/main" xmlns:r="http://schemas.openxmlformats.org/officeDocument/2006/relationships" xmlns:p="http://schemas.openxmlformats.org/presentationml/2006/main" type="twoObjOverTx" preserve="1">
   <p:cSld name="Title, 2 Content over Content">
     <p:spTree>
       <p:nvGrpSpPr>
@@ -2400,7 +2637,8 @@
           </a:prstGeom>
         </p:spPr>
         <p:txBody>
-          <a:bodyPr wrap="none" lIns="0" rIns="0" tIns="0" bIns="0" anchor="ctr"/>
+          <a:bodyPr wrap="none" lIns="0" tIns="0" rIns="0" bIns="0" anchor="ctr"/>
+          <a:lstStyle/>
           <a:p>
             <a:endParaRPr/>
           </a:p>
@@ -2426,7 +2664,8 @@
           </a:prstGeom>
         </p:spPr>
         <p:txBody>
-          <a:bodyPr wrap="none" lIns="0" rIns="0" tIns="0" bIns="0"/>
+          <a:bodyPr wrap="none" lIns="0" tIns="0" rIns="0" bIns="0"/>
+          <a:lstStyle/>
           <a:p>
             <a:endParaRPr/>
           </a:p>
@@ -2452,7 +2691,8 @@
           </a:prstGeom>
         </p:spPr>
         <p:txBody>
-          <a:bodyPr wrap="none" lIns="0" rIns="0" tIns="0" bIns="0"/>
+          <a:bodyPr wrap="none" lIns="0" tIns="0" rIns="0" bIns="0"/>
+          <a:lstStyle/>
           <a:p>
             <a:endParaRPr/>
           </a:p>
@@ -2478,7 +2718,8 @@
           </a:prstGeom>
         </p:spPr>
         <p:txBody>
-          <a:bodyPr wrap="none" lIns="0" rIns="0" tIns="0" bIns="0"/>
+          <a:bodyPr wrap="none" lIns="0" tIns="0" rIns="0" bIns="0"/>
+          <a:lstStyle/>
           <a:p>
             <a:endParaRPr/>
           </a:p>
@@ -2486,11 +2727,14 @@
       </p:sp>
     </p:spTree>
   </p:cSld>
+  <p:clrMapOvr>
+    <a:masterClrMapping/>
+  </p:clrMapOvr>
 </p:sldLayout>
 </file>
 
 <file path=ppt/slideLayouts/slideLayout34.xml><?xml version="1.0" encoding="utf-8"?>
-<p:sldLayout xmlns:a="http://schemas.openxmlformats.org/drawingml/2006/main" xmlns:p="http://schemas.openxmlformats.org/presentationml/2006/main" xmlns:r="http://schemas.openxmlformats.org/officeDocument/2006/relationships" type="objOverTx" preserve="1">
+<p:sldLayout xmlns:a="http://schemas.openxmlformats.org/drawingml/2006/main" xmlns:r="http://schemas.openxmlformats.org/officeDocument/2006/relationships" xmlns:p="http://schemas.openxmlformats.org/presentationml/2006/main" type="objOverTx" preserve="1">
   <p:cSld name="Title, Content over Content">
     <p:spTree>
       <p:nvGrpSpPr>
@@ -2526,7 +2770,8 @@
           </a:prstGeom>
         </p:spPr>
         <p:txBody>
-          <a:bodyPr wrap="none" lIns="0" rIns="0" tIns="0" bIns="0" anchor="ctr"/>
+          <a:bodyPr wrap="none" lIns="0" tIns="0" rIns="0" bIns="0" anchor="ctr"/>
+          <a:lstStyle/>
           <a:p>
             <a:endParaRPr/>
           </a:p>
@@ -2552,7 +2797,8 @@
           </a:prstGeom>
         </p:spPr>
         <p:txBody>
-          <a:bodyPr wrap="none" lIns="0" rIns="0" tIns="0" bIns="0"/>
+          <a:bodyPr wrap="none" lIns="0" tIns="0" rIns="0" bIns="0"/>
+          <a:lstStyle/>
           <a:p>
             <a:endParaRPr/>
           </a:p>
@@ -2578,7 +2824,8 @@
           </a:prstGeom>
         </p:spPr>
         <p:txBody>
-          <a:bodyPr wrap="none" lIns="0" rIns="0" tIns="0" bIns="0"/>
+          <a:bodyPr wrap="none" lIns="0" tIns="0" rIns="0" bIns="0"/>
+          <a:lstStyle/>
           <a:p>
             <a:endParaRPr/>
           </a:p>
@@ -2586,11 +2833,14 @@
       </p:sp>
     </p:spTree>
   </p:cSld>
+  <p:clrMapOvr>
+    <a:masterClrMapping/>
+  </p:clrMapOvr>
 </p:sldLayout>
 </file>
 
 <file path=ppt/slideLayouts/slideLayout35.xml><?xml version="1.0" encoding="utf-8"?>
-<p:sldLayout xmlns:a="http://schemas.openxmlformats.org/drawingml/2006/main" xmlns:p="http://schemas.openxmlformats.org/presentationml/2006/main" xmlns:r="http://schemas.openxmlformats.org/officeDocument/2006/relationships" type="fourObj" preserve="1">
+<p:sldLayout xmlns:a="http://schemas.openxmlformats.org/drawingml/2006/main" xmlns:r="http://schemas.openxmlformats.org/officeDocument/2006/relationships" xmlns:p="http://schemas.openxmlformats.org/presentationml/2006/main" type="fourObj" preserve="1">
   <p:cSld name="Title, 4 Content">
     <p:spTree>
       <p:nvGrpSpPr>
@@ -2626,7 +2876,8 @@
           </a:prstGeom>
         </p:spPr>
         <p:txBody>
-          <a:bodyPr wrap="none" lIns="0" rIns="0" tIns="0" bIns="0" anchor="ctr"/>
+          <a:bodyPr wrap="none" lIns="0" tIns="0" rIns="0" bIns="0" anchor="ctr"/>
+          <a:lstStyle/>
           <a:p>
             <a:endParaRPr/>
           </a:p>
@@ -2652,7 +2903,8 @@
           </a:prstGeom>
         </p:spPr>
         <p:txBody>
-          <a:bodyPr wrap="none" lIns="0" rIns="0" tIns="0" bIns="0"/>
+          <a:bodyPr wrap="none" lIns="0" tIns="0" rIns="0" bIns="0"/>
+          <a:lstStyle/>
           <a:p>
             <a:endParaRPr/>
           </a:p>
@@ -2678,7 +2930,8 @@
           </a:prstGeom>
         </p:spPr>
         <p:txBody>
-          <a:bodyPr wrap="none" lIns="0" rIns="0" tIns="0" bIns="0"/>
+          <a:bodyPr wrap="none" lIns="0" tIns="0" rIns="0" bIns="0"/>
+          <a:lstStyle/>
           <a:p>
             <a:endParaRPr/>
           </a:p>
@@ -2704,7 +2957,8 @@
           </a:prstGeom>
         </p:spPr>
         <p:txBody>
-          <a:bodyPr wrap="none" lIns="0" rIns="0" tIns="0" bIns="0"/>
+          <a:bodyPr wrap="none" lIns="0" tIns="0" rIns="0" bIns="0"/>
+          <a:lstStyle/>
           <a:p>
             <a:endParaRPr/>
           </a:p>
@@ -2730,7 +2984,8 @@
           </a:prstGeom>
         </p:spPr>
         <p:txBody>
-          <a:bodyPr wrap="none" lIns="0" rIns="0" tIns="0" bIns="0"/>
+          <a:bodyPr wrap="none" lIns="0" tIns="0" rIns="0" bIns="0"/>
+          <a:lstStyle/>
           <a:p>
             <a:endParaRPr/>
           </a:p>
@@ -2738,11 +2993,14 @@
       </p:sp>
     </p:spTree>
   </p:cSld>
+  <p:clrMapOvr>
+    <a:masterClrMapping/>
+  </p:clrMapOvr>
 </p:sldLayout>
 </file>
 
 <file path=ppt/slideLayouts/slideLayout36.xml><?xml version="1.0" encoding="utf-8"?>
-<p:sldLayout xmlns:a="http://schemas.openxmlformats.org/drawingml/2006/main" xmlns:p="http://schemas.openxmlformats.org/presentationml/2006/main" xmlns:r="http://schemas.openxmlformats.org/officeDocument/2006/relationships" type="blank" preserve="1">
+<p:sldLayout xmlns:a="http://schemas.openxmlformats.org/drawingml/2006/main" xmlns:r="http://schemas.openxmlformats.org/officeDocument/2006/relationships" xmlns:p="http://schemas.openxmlformats.org/presentationml/2006/main" type="blank" preserve="1">
   <p:cSld name="Title, 6 Content">
     <p:spTree>
       <p:nvGrpSpPr>
@@ -2778,7 +3036,8 @@
           </a:prstGeom>
         </p:spPr>
         <p:txBody>
-          <a:bodyPr wrap="none" lIns="0" rIns="0" tIns="0" bIns="0" anchor="ctr"/>
+          <a:bodyPr wrap="none" lIns="0" tIns="0" rIns="0" bIns="0" anchor="ctr"/>
+          <a:lstStyle/>
           <a:p>
             <a:endParaRPr/>
           </a:p>
@@ -2804,7 +3063,8 @@
           </a:prstGeom>
         </p:spPr>
         <p:txBody>
-          <a:bodyPr wrap="none" lIns="0" rIns="0" tIns="0" bIns="0"/>
+          <a:bodyPr wrap="none" lIns="0" tIns="0" rIns="0" bIns="0"/>
+          <a:lstStyle/>
           <a:p>
             <a:endParaRPr/>
           </a:p>
@@ -2830,7 +3090,8 @@
           </a:prstGeom>
         </p:spPr>
         <p:txBody>
-          <a:bodyPr wrap="none" lIns="0" rIns="0" tIns="0" bIns="0"/>
+          <a:bodyPr wrap="none" lIns="0" tIns="0" rIns="0" bIns="0"/>
+          <a:lstStyle/>
           <a:p>
             <a:endParaRPr/>
           </a:p>
@@ -2838,7 +3099,7 @@
       </p:sp>
       <p:pic>
         <p:nvPicPr>
-          <p:cNvPr id="115" name="" descr=""/>
+          <p:cNvPr id="115" name="114 Imagen"/>
           <p:cNvPicPr/>
           <p:nvPr/>
         </p:nvPicPr>
@@ -2863,12 +3124,12 @@
       </p:pic>
       <p:pic>
         <p:nvPicPr>
-          <p:cNvPr id="116" name="" descr=""/>
+          <p:cNvPr id="116" name="115 Imagen"/>
           <p:cNvPicPr/>
           <p:nvPr/>
         </p:nvPicPr>
         <p:blipFill>
-          <a:blip r:embed="rId3"/>
+          <a:blip r:embed="rId2"/>
           <a:stretch>
             <a:fillRect/>
           </a:stretch>
@@ -2888,11 +3149,14 @@
       </p:pic>
     </p:spTree>
   </p:cSld>
+  <p:clrMapOvr>
+    <a:masterClrMapping/>
+  </p:clrMapOvr>
 </p:sldLayout>
 </file>
 
 <file path=ppt/slideLayouts/slideLayout4.xml><?xml version="1.0" encoding="utf-8"?>
-<p:sldLayout xmlns:a="http://schemas.openxmlformats.org/drawingml/2006/main" xmlns:p="http://schemas.openxmlformats.org/presentationml/2006/main" xmlns:r="http://schemas.openxmlformats.org/officeDocument/2006/relationships" type="twoObj" preserve="1">
+<p:sldLayout xmlns:a="http://schemas.openxmlformats.org/drawingml/2006/main" xmlns:r="http://schemas.openxmlformats.org/officeDocument/2006/relationships" xmlns:p="http://schemas.openxmlformats.org/presentationml/2006/main" type="twoObj" preserve="1">
   <p:cSld name="Title, 2 Content">
     <p:spTree>
       <p:nvGrpSpPr>
@@ -2928,7 +3192,8 @@
           </a:prstGeom>
         </p:spPr>
         <p:txBody>
-          <a:bodyPr wrap="none" lIns="0" rIns="0" tIns="0" bIns="0" anchor="ctr"/>
+          <a:bodyPr wrap="none" lIns="0" tIns="0" rIns="0" bIns="0" anchor="ctr"/>
+          <a:lstStyle/>
           <a:p>
             <a:endParaRPr/>
           </a:p>
@@ -2954,7 +3219,8 @@
           </a:prstGeom>
         </p:spPr>
         <p:txBody>
-          <a:bodyPr wrap="none" lIns="0" rIns="0" tIns="0" bIns="0"/>
+          <a:bodyPr wrap="none" lIns="0" tIns="0" rIns="0" bIns="0"/>
+          <a:lstStyle/>
           <a:p>
             <a:endParaRPr/>
           </a:p>
@@ -2980,7 +3246,8 @@
           </a:prstGeom>
         </p:spPr>
         <p:txBody>
-          <a:bodyPr wrap="none" lIns="0" rIns="0" tIns="0" bIns="0"/>
+          <a:bodyPr wrap="none" lIns="0" tIns="0" rIns="0" bIns="0"/>
+          <a:lstStyle/>
           <a:p>
             <a:endParaRPr/>
           </a:p>
@@ -2988,11 +3255,14 @@
       </p:sp>
     </p:spTree>
   </p:cSld>
+  <p:clrMapOvr>
+    <a:masterClrMapping/>
+  </p:clrMapOvr>
 </p:sldLayout>
 </file>
 
 <file path=ppt/slideLayouts/slideLayout5.xml><?xml version="1.0" encoding="utf-8"?>
-<p:sldLayout xmlns:a="http://schemas.openxmlformats.org/drawingml/2006/main" xmlns:p="http://schemas.openxmlformats.org/presentationml/2006/main" xmlns:r="http://schemas.openxmlformats.org/officeDocument/2006/relationships" type="titleOnly" preserve="1">
+<p:sldLayout xmlns:a="http://schemas.openxmlformats.org/drawingml/2006/main" xmlns:r="http://schemas.openxmlformats.org/officeDocument/2006/relationships" xmlns:p="http://schemas.openxmlformats.org/presentationml/2006/main" type="titleOnly" preserve="1">
   <p:cSld name="Title Only">
     <p:spTree>
       <p:nvGrpSpPr>
@@ -3028,7 +3298,8 @@
           </a:prstGeom>
         </p:spPr>
         <p:txBody>
-          <a:bodyPr wrap="none" lIns="0" rIns="0" tIns="0" bIns="0" anchor="ctr"/>
+          <a:bodyPr wrap="none" lIns="0" tIns="0" rIns="0" bIns="0" anchor="ctr"/>
+          <a:lstStyle/>
           <a:p>
             <a:endParaRPr/>
           </a:p>
@@ -3036,11 +3307,14 @@
       </p:sp>
     </p:spTree>
   </p:cSld>
+  <p:clrMapOvr>
+    <a:masterClrMapping/>
+  </p:clrMapOvr>
 </p:sldLayout>
 </file>
 
 <file path=ppt/slideLayouts/slideLayout6.xml><?xml version="1.0" encoding="utf-8"?>
-<p:sldLayout xmlns:a="http://schemas.openxmlformats.org/drawingml/2006/main" xmlns:p="http://schemas.openxmlformats.org/presentationml/2006/main" xmlns:r="http://schemas.openxmlformats.org/officeDocument/2006/relationships" type="objOnly" preserve="1">
+<p:sldLayout xmlns:a="http://schemas.openxmlformats.org/drawingml/2006/main" xmlns:r="http://schemas.openxmlformats.org/officeDocument/2006/relationships" xmlns:p="http://schemas.openxmlformats.org/presentationml/2006/main" type="objOnly" preserve="1">
   <p:cSld name="Centered Text">
     <p:spTree>
       <p:nvGrpSpPr>
@@ -3076,7 +3350,8 @@
           </a:prstGeom>
         </p:spPr>
         <p:txBody>
-          <a:bodyPr wrap="none" lIns="0" rIns="0" tIns="0" bIns="0" anchor="ctr"/>
+          <a:bodyPr wrap="none" lIns="0" tIns="0" rIns="0" bIns="0" anchor="ctr"/>
+          <a:lstStyle/>
           <a:p>
             <a:pPr algn="ctr"/>
             <a:endParaRPr/>
@@ -3085,11 +3360,14 @@
       </p:sp>
     </p:spTree>
   </p:cSld>
+  <p:clrMapOvr>
+    <a:masterClrMapping/>
+  </p:clrMapOvr>
 </p:sldLayout>
 </file>
 
 <file path=ppt/slideLayouts/slideLayout7.xml><?xml version="1.0" encoding="utf-8"?>
-<p:sldLayout xmlns:a="http://schemas.openxmlformats.org/drawingml/2006/main" xmlns:p="http://schemas.openxmlformats.org/presentationml/2006/main" xmlns:r="http://schemas.openxmlformats.org/officeDocument/2006/relationships" type="twoObjAndObj" preserve="1">
+<p:sldLayout xmlns:a="http://schemas.openxmlformats.org/drawingml/2006/main" xmlns:r="http://schemas.openxmlformats.org/officeDocument/2006/relationships" xmlns:p="http://schemas.openxmlformats.org/presentationml/2006/main" type="twoObjAndObj" preserve="1">
   <p:cSld name="Title, 2 Content and Content">
     <p:spTree>
       <p:nvGrpSpPr>
@@ -3125,7 +3403,8 @@
           </a:prstGeom>
         </p:spPr>
         <p:txBody>
-          <a:bodyPr wrap="none" lIns="0" rIns="0" tIns="0" bIns="0" anchor="ctr"/>
+          <a:bodyPr wrap="none" lIns="0" tIns="0" rIns="0" bIns="0" anchor="ctr"/>
+          <a:lstStyle/>
           <a:p>
             <a:endParaRPr/>
           </a:p>
@@ -3151,7 +3430,8 @@
           </a:prstGeom>
         </p:spPr>
         <p:txBody>
-          <a:bodyPr wrap="none" lIns="0" rIns="0" tIns="0" bIns="0"/>
+          <a:bodyPr wrap="none" lIns="0" tIns="0" rIns="0" bIns="0"/>
+          <a:lstStyle/>
           <a:p>
             <a:endParaRPr/>
           </a:p>
@@ -3177,7 +3457,8 @@
           </a:prstGeom>
         </p:spPr>
         <p:txBody>
-          <a:bodyPr wrap="none" lIns="0" rIns="0" tIns="0" bIns="0"/>
+          <a:bodyPr wrap="none" lIns="0" tIns="0" rIns="0" bIns="0"/>
+          <a:lstStyle/>
           <a:p>
             <a:endParaRPr/>
           </a:p>
@@ -3203,7 +3484,8 @@
           </a:prstGeom>
         </p:spPr>
         <p:txBody>
-          <a:bodyPr wrap="none" lIns="0" rIns="0" tIns="0" bIns="0"/>
+          <a:bodyPr wrap="none" lIns="0" tIns="0" rIns="0" bIns="0"/>
+          <a:lstStyle/>
           <a:p>
             <a:endParaRPr/>
           </a:p>
@@ -3211,11 +3493,14 @@
       </p:sp>
     </p:spTree>
   </p:cSld>
+  <p:clrMapOvr>
+    <a:masterClrMapping/>
+  </p:clrMapOvr>
 </p:sldLayout>
 </file>
 
 <file path=ppt/slideLayouts/slideLayout8.xml><?xml version="1.0" encoding="utf-8"?>
-<p:sldLayout xmlns:a="http://schemas.openxmlformats.org/drawingml/2006/main" xmlns:p="http://schemas.openxmlformats.org/presentationml/2006/main" xmlns:r="http://schemas.openxmlformats.org/officeDocument/2006/relationships" type="objAndTwoObj" preserve="1">
+<p:sldLayout xmlns:a="http://schemas.openxmlformats.org/drawingml/2006/main" xmlns:r="http://schemas.openxmlformats.org/officeDocument/2006/relationships" xmlns:p="http://schemas.openxmlformats.org/presentationml/2006/main" type="objAndTwoObj" preserve="1">
   <p:cSld name="Title Content and 2 Content">
     <p:spTree>
       <p:nvGrpSpPr>
@@ -3251,7 +3536,8 @@
           </a:prstGeom>
         </p:spPr>
         <p:txBody>
-          <a:bodyPr wrap="none" lIns="0" rIns="0" tIns="0" bIns="0" anchor="ctr"/>
+          <a:bodyPr wrap="none" lIns="0" tIns="0" rIns="0" bIns="0" anchor="ctr"/>
+          <a:lstStyle/>
           <a:p>
             <a:endParaRPr/>
           </a:p>
@@ -3277,7 +3563,8 @@
           </a:prstGeom>
         </p:spPr>
         <p:txBody>
-          <a:bodyPr wrap="none" lIns="0" rIns="0" tIns="0" bIns="0"/>
+          <a:bodyPr wrap="none" lIns="0" tIns="0" rIns="0" bIns="0"/>
+          <a:lstStyle/>
           <a:p>
             <a:endParaRPr/>
           </a:p>
@@ -3303,7 +3590,8 @@
           </a:prstGeom>
         </p:spPr>
         <p:txBody>
-          <a:bodyPr wrap="none" lIns="0" rIns="0" tIns="0" bIns="0"/>
+          <a:bodyPr wrap="none" lIns="0" tIns="0" rIns="0" bIns="0"/>
+          <a:lstStyle/>
           <a:p>
             <a:endParaRPr/>
           </a:p>
@@ -3329,7 +3617,8 @@
           </a:prstGeom>
         </p:spPr>
         <p:txBody>
-          <a:bodyPr wrap="none" lIns="0" rIns="0" tIns="0" bIns="0"/>
+          <a:bodyPr wrap="none" lIns="0" tIns="0" rIns="0" bIns="0"/>
+          <a:lstStyle/>
           <a:p>
             <a:endParaRPr/>
           </a:p>
@@ -3337,11 +3626,14 @@
       </p:sp>
     </p:spTree>
   </p:cSld>
+  <p:clrMapOvr>
+    <a:masterClrMapping/>
+  </p:clrMapOvr>
 </p:sldLayout>
 </file>
 
 <file path=ppt/slideLayouts/slideLayout9.xml><?xml version="1.0" encoding="utf-8"?>
-<p:sldLayout xmlns:a="http://schemas.openxmlformats.org/drawingml/2006/main" xmlns:p="http://schemas.openxmlformats.org/presentationml/2006/main" xmlns:r="http://schemas.openxmlformats.org/officeDocument/2006/relationships" type="twoObjOverTx" preserve="1">
+<p:sldLayout xmlns:a="http://schemas.openxmlformats.org/drawingml/2006/main" xmlns:r="http://schemas.openxmlformats.org/officeDocument/2006/relationships" xmlns:p="http://schemas.openxmlformats.org/presentationml/2006/main" type="twoObjOverTx" preserve="1">
   <p:cSld name="Title, 2 Content over Content">
     <p:spTree>
       <p:nvGrpSpPr>
@@ -3377,7 +3669,8 @@
           </a:prstGeom>
         </p:spPr>
         <p:txBody>
-          <a:bodyPr wrap="none" lIns="0" rIns="0" tIns="0" bIns="0" anchor="ctr"/>
+          <a:bodyPr wrap="none" lIns="0" tIns="0" rIns="0" bIns="0" anchor="ctr"/>
+          <a:lstStyle/>
           <a:p>
             <a:endParaRPr/>
           </a:p>
@@ -3403,7 +3696,8 @@
           </a:prstGeom>
         </p:spPr>
         <p:txBody>
-          <a:bodyPr wrap="none" lIns="0" rIns="0" tIns="0" bIns="0"/>
+          <a:bodyPr wrap="none" lIns="0" tIns="0" rIns="0" bIns="0"/>
+          <a:lstStyle/>
           <a:p>
             <a:endParaRPr/>
           </a:p>
@@ -3429,7 +3723,8 @@
           </a:prstGeom>
         </p:spPr>
         <p:txBody>
-          <a:bodyPr wrap="none" lIns="0" rIns="0" tIns="0" bIns="0"/>
+          <a:bodyPr wrap="none" lIns="0" tIns="0" rIns="0" bIns="0"/>
+          <a:lstStyle/>
           <a:p>
             <a:endParaRPr/>
           </a:p>
@@ -3455,7 +3750,8 @@
           </a:prstGeom>
         </p:spPr>
         <p:txBody>
-          <a:bodyPr wrap="none" lIns="0" rIns="0" tIns="0" bIns="0"/>
+          <a:bodyPr wrap="none" lIns="0" tIns="0" rIns="0" bIns="0"/>
+          <a:lstStyle/>
           <a:p>
             <a:endParaRPr/>
           </a:p>
@@ -3463,17 +3759,21 @@
       </p:sp>
     </p:spTree>
   </p:cSld>
+  <p:clrMapOvr>
+    <a:masterClrMapping/>
+  </p:clrMapOvr>
 </p:sldLayout>
 </file>
 
 <file path=ppt/slideMasters/slideMaster1.xml><?xml version="1.0" encoding="utf-8"?>
-<p:sldMaster xmlns:a="http://schemas.openxmlformats.org/drawingml/2006/main" xmlns:p="http://schemas.openxmlformats.org/presentationml/2006/main" xmlns:r="http://schemas.openxmlformats.org/officeDocument/2006/relationships">
+<p:sldMaster xmlns:a="http://schemas.openxmlformats.org/drawingml/2006/main" xmlns:r="http://schemas.openxmlformats.org/officeDocument/2006/relationships" xmlns:p="http://schemas.openxmlformats.org/presentationml/2006/main">
   <p:cSld>
     <p:bg>
       <p:bgPr>
         <a:solidFill>
-          <a:srgbClr val="ffffff"/>
+          <a:srgbClr val="FFFFFF"/>
         </a:solidFill>
+        <a:effectLst/>
       </p:bgPr>
     </p:bg>
     <p:spTree>
@@ -3492,7 +3792,7 @@
       </p:grpSpPr>
       <p:sp>
         <p:nvSpPr>
-          <p:cNvPr id="0" name="PlaceHolder 1"/>
+          <p:cNvPr id="5" name="PlaceHolder 1"/>
           <p:cNvSpPr>
             <a:spLocks noGrp="1"/>
           </p:cNvSpPr>
@@ -3511,6 +3811,7 @@
         </p:spPr>
         <p:txBody>
           <a:bodyPr anchor="ctr"/>
+          <a:lstStyle/>
           <a:p>
             <a:pPr algn="ctr">
               <a:lnSpc>
@@ -3532,7 +3833,7 @@
       </p:sp>
       <p:sp>
         <p:nvSpPr>
-          <p:cNvPr id="1" name="PlaceHolder 2"/>
+          <p:cNvPr id="6" name="PlaceHolder 2"/>
           <p:cNvSpPr>
             <a:spLocks noGrp="1"/>
           </p:cNvSpPr>
@@ -3551,6 +3852,7 @@
         </p:spPr>
         <p:txBody>
           <a:bodyPr anchor="ctr"/>
+          <a:lstStyle/>
           <a:p>
             <a:pPr>
               <a:lnSpc>
@@ -3560,7 +3862,7 @@
             <a:r>
               <a:rPr lang="es-ES" sz="1200">
                 <a:solidFill>
-                  <a:srgbClr val="8b8b8b"/>
+                  <a:srgbClr val="8B8B8B"/>
                 </a:solidFill>
                 <a:latin typeface="Calibri"/>
               </a:rPr>
@@ -3591,6 +3893,7 @@
         </p:spPr>
         <p:txBody>
           <a:bodyPr anchor="ctr"/>
+          <a:lstStyle/>
           <a:p>
             <a:endParaRPr/>
           </a:p>
@@ -3617,6 +3920,7 @@
         </p:spPr>
         <p:txBody>
           <a:bodyPr anchor="ctr"/>
+          <a:lstStyle/>
           <a:p>
             <a:pPr algn="r">
               <a:lnSpc>
@@ -3626,11 +3930,11 @@
             <a:fld id="{D94D3DCE-87B2-41FB-97DA-CF3A01CF3A9F}" type="slidenum">
               <a:rPr lang="es-ES" sz="1200">
                 <a:solidFill>
-                  <a:srgbClr val="8b8b8b"/>
+                  <a:srgbClr val="8B8B8B"/>
                 </a:solidFill>
                 <a:latin typeface="Calibri"/>
               </a:rPr>
-              <a:t>&lt;number&gt;</a:t>
+              <a:t>‹Nº›</a:t>
             </a:fld>
             <a:endParaRPr/>
           </a:p>
@@ -3656,7 +3960,8 @@
           </a:prstGeom>
         </p:spPr>
         <p:txBody>
-          <a:bodyPr wrap="none" lIns="0" rIns="0" tIns="0" bIns="0"/>
+          <a:bodyPr wrap="none" lIns="0" tIns="0" rIns="0" bIns="0"/>
+          <a:lstStyle/>
           <a:p>
             <a:pPr>
               <a:buSzPct val="25000"/>
@@ -3745,32 +4050,38 @@
       </p:sp>
     </p:spTree>
   </p:cSld>
-  <p:clrMap bg1="lt1" bg2="lt2" tx1="dk1" tx2="dk2" accent1="accent1" accent2="accent2" accent3="accent3" accent4="accent4" accent5="accent5" accent6="accent6" hlink="hlink" folHlink="folHlink"/>
+  <p:clrMap bg1="lt1" tx1="dk1" bg2="lt2" tx2="dk2" accent1="accent1" accent2="accent2" accent3="accent3" accent4="accent4" accent5="accent5" accent6="accent6" hlink="hlink" folHlink="folHlink"/>
   <p:sldLayoutIdLst>
-    <p:sldLayoutId id="2147483649" r:id="rId2"/>
-    <p:sldLayoutId id="2147483650" r:id="rId3"/>
-    <p:sldLayoutId id="2147483651" r:id="rId4"/>
-    <p:sldLayoutId id="2147483652" r:id="rId5"/>
-    <p:sldLayoutId id="2147483653" r:id="rId6"/>
-    <p:sldLayoutId id="2147483654" r:id="rId7"/>
-    <p:sldLayoutId id="2147483655" r:id="rId8"/>
-    <p:sldLayoutId id="2147483656" r:id="rId9"/>
-    <p:sldLayoutId id="2147483657" r:id="rId10"/>
-    <p:sldLayoutId id="2147483658" r:id="rId11"/>
-    <p:sldLayoutId id="2147483659" r:id="rId12"/>
-    <p:sldLayoutId id="2147483660" r:id="rId13"/>
+    <p:sldLayoutId id="2147483649" r:id="rId1"/>
+    <p:sldLayoutId id="2147483650" r:id="rId2"/>
+    <p:sldLayoutId id="2147483651" r:id="rId3"/>
+    <p:sldLayoutId id="2147483652" r:id="rId4"/>
+    <p:sldLayoutId id="2147483653" r:id="rId5"/>
+    <p:sldLayoutId id="2147483654" r:id="rId6"/>
+    <p:sldLayoutId id="2147483655" r:id="rId7"/>
+    <p:sldLayoutId id="2147483656" r:id="rId8"/>
+    <p:sldLayoutId id="2147483657" r:id="rId9"/>
+    <p:sldLayoutId id="2147483658" r:id="rId10"/>
+    <p:sldLayoutId id="2147483659" r:id="rId11"/>
+    <p:sldLayoutId id="2147483660" r:id="rId12"/>
   </p:sldLayoutIdLst>
+  <p:txStyles>
+    <p:titleStyle/>
+    <p:bodyStyle/>
+    <p:otherStyle/>
+  </p:txStyles>
 </p:sldMaster>
 </file>
 
 <file path=ppt/slideMasters/slideMaster2.xml><?xml version="1.0" encoding="utf-8"?>
-<p:sldMaster xmlns:a="http://schemas.openxmlformats.org/drawingml/2006/main" xmlns:p="http://schemas.openxmlformats.org/presentationml/2006/main" xmlns:r="http://schemas.openxmlformats.org/officeDocument/2006/relationships">
+<p:sldMaster xmlns:a="http://schemas.openxmlformats.org/drawingml/2006/main" xmlns:r="http://schemas.openxmlformats.org/officeDocument/2006/relationships" xmlns:p="http://schemas.openxmlformats.org/presentationml/2006/main">
   <p:cSld>
     <p:bg>
       <p:bgPr>
         <a:solidFill>
-          <a:srgbClr val="ffffff"/>
+          <a:srgbClr val="FFFFFF"/>
         </a:solidFill>
+        <a:effectLst/>
       </p:bgPr>
     </p:bg>
     <p:spTree>
@@ -3808,6 +4119,7 @@
         </p:spPr>
         <p:txBody>
           <a:bodyPr anchor="ctr"/>
+          <a:lstStyle/>
           <a:p>
             <a:pPr algn="ctr">
               <a:lnSpc>
@@ -3848,6 +4160,7 @@
         </p:spPr>
         <p:txBody>
           <a:bodyPr/>
+          <a:lstStyle/>
           <a:p>
             <a:pPr>
               <a:buSzPct val="25000"/>
@@ -4068,6 +4381,7 @@
         </p:spPr>
         <p:txBody>
           <a:bodyPr anchor="ctr"/>
+          <a:lstStyle/>
           <a:p>
             <a:pPr>
               <a:lnSpc>
@@ -4077,7 +4391,7 @@
             <a:r>
               <a:rPr lang="es-ES" sz="1200">
                 <a:solidFill>
-                  <a:srgbClr val="8b8b8b"/>
+                  <a:srgbClr val="8B8B8B"/>
                 </a:solidFill>
                 <a:latin typeface="Calibri"/>
               </a:rPr>
@@ -4108,6 +4422,7 @@
         </p:spPr>
         <p:txBody>
           <a:bodyPr anchor="ctr"/>
+          <a:lstStyle/>
           <a:p>
             <a:endParaRPr/>
           </a:p>
@@ -4134,6 +4449,7 @@
         </p:spPr>
         <p:txBody>
           <a:bodyPr anchor="ctr"/>
+          <a:lstStyle/>
           <a:p>
             <a:pPr algn="r">
               <a:lnSpc>
@@ -4143,11 +4459,11 @@
             <a:fld id="{9A3E603D-4602-417F-999D-60509336DCBD}" type="slidenum">
               <a:rPr lang="es-ES" sz="1200">
                 <a:solidFill>
-                  <a:srgbClr val="8b8b8b"/>
+                  <a:srgbClr val="8B8B8B"/>
                 </a:solidFill>
                 <a:latin typeface="Calibri"/>
               </a:rPr>
-              <a:t>&lt;number&gt;</a:t>
+              <a:t>‹Nº›</a:t>
             </a:fld>
             <a:endParaRPr/>
           </a:p>
@@ -4155,32 +4471,38 @@
       </p:sp>
     </p:spTree>
   </p:cSld>
-  <p:clrMap bg1="lt1" bg2="lt2" tx1="dk1" tx2="dk2" accent1="accent1" accent2="accent2" accent3="accent3" accent4="accent4" accent5="accent5" accent6="accent6" hlink="hlink" folHlink="folHlink"/>
+  <p:clrMap bg1="lt1" tx1="dk1" bg2="lt2" tx2="dk2" accent1="accent1" accent2="accent2" accent3="accent3" accent4="accent4" accent5="accent5" accent6="accent6" hlink="hlink" folHlink="folHlink"/>
   <p:sldLayoutIdLst>
-    <p:sldLayoutId id="2147483662" r:id="rId2"/>
-    <p:sldLayoutId id="2147483663" r:id="rId3"/>
-    <p:sldLayoutId id="2147483664" r:id="rId4"/>
-    <p:sldLayoutId id="2147483665" r:id="rId5"/>
-    <p:sldLayoutId id="2147483666" r:id="rId6"/>
-    <p:sldLayoutId id="2147483667" r:id="rId7"/>
-    <p:sldLayoutId id="2147483668" r:id="rId8"/>
-    <p:sldLayoutId id="2147483669" r:id="rId9"/>
-    <p:sldLayoutId id="2147483670" r:id="rId10"/>
-    <p:sldLayoutId id="2147483671" r:id="rId11"/>
-    <p:sldLayoutId id="2147483672" r:id="rId12"/>
-    <p:sldLayoutId id="2147483673" r:id="rId13"/>
+    <p:sldLayoutId id="2147483662" r:id="rId1"/>
+    <p:sldLayoutId id="2147483663" r:id="rId2"/>
+    <p:sldLayoutId id="2147483664" r:id="rId3"/>
+    <p:sldLayoutId id="2147483665" r:id="rId4"/>
+    <p:sldLayoutId id="2147483666" r:id="rId5"/>
+    <p:sldLayoutId id="2147483667" r:id="rId6"/>
+    <p:sldLayoutId id="2147483668" r:id="rId7"/>
+    <p:sldLayoutId id="2147483669" r:id="rId8"/>
+    <p:sldLayoutId id="2147483670" r:id="rId9"/>
+    <p:sldLayoutId id="2147483671" r:id="rId10"/>
+    <p:sldLayoutId id="2147483672" r:id="rId11"/>
+    <p:sldLayoutId id="2147483673" r:id="rId12"/>
   </p:sldLayoutIdLst>
+  <p:txStyles>
+    <p:titleStyle/>
+    <p:bodyStyle/>
+    <p:otherStyle/>
+  </p:txStyles>
 </p:sldMaster>
 </file>
 
 <file path=ppt/slideMasters/slideMaster3.xml><?xml version="1.0" encoding="utf-8"?>
-<p:sldMaster xmlns:a="http://schemas.openxmlformats.org/drawingml/2006/main" xmlns:p="http://schemas.openxmlformats.org/presentationml/2006/main" xmlns:r="http://schemas.openxmlformats.org/officeDocument/2006/relationships">
+<p:sldMaster xmlns:a="http://schemas.openxmlformats.org/drawingml/2006/main" xmlns:r="http://schemas.openxmlformats.org/officeDocument/2006/relationships" xmlns:p="http://schemas.openxmlformats.org/presentationml/2006/main">
   <p:cSld>
     <p:bg>
       <p:bgPr>
         <a:solidFill>
-          <a:srgbClr val="ffffff"/>
+          <a:srgbClr val="FFFFFF"/>
         </a:solidFill>
+        <a:effectLst/>
       </p:bgPr>
     </p:bg>
     <p:spTree>
@@ -4218,6 +4540,7 @@
         </p:spPr>
         <p:txBody>
           <a:bodyPr anchor="ctr"/>
+          <a:lstStyle/>
           <a:p>
             <a:pPr>
               <a:lnSpc>
@@ -4227,7 +4550,7 @@
             <a:r>
               <a:rPr lang="es-ES" sz="1200">
                 <a:solidFill>
-                  <a:srgbClr val="8b8b8b"/>
+                  <a:srgbClr val="8B8B8B"/>
                 </a:solidFill>
                 <a:latin typeface="Calibri"/>
               </a:rPr>
@@ -4258,6 +4581,7 @@
         </p:spPr>
         <p:txBody>
           <a:bodyPr anchor="ctr"/>
+          <a:lstStyle/>
           <a:p>
             <a:endParaRPr/>
           </a:p>
@@ -4284,6 +4608,7 @@
         </p:spPr>
         <p:txBody>
           <a:bodyPr anchor="ctr"/>
+          <a:lstStyle/>
           <a:p>
             <a:pPr algn="r">
               <a:lnSpc>
@@ -4293,11 +4618,11 @@
             <a:fld id="{1251E513-5634-4412-A2D8-D2E3293F86D3}" type="slidenum">
               <a:rPr lang="es-ES" sz="1200">
                 <a:solidFill>
-                  <a:srgbClr val="8b8b8b"/>
+                  <a:srgbClr val="8B8B8B"/>
                 </a:solidFill>
                 <a:latin typeface="Calibri"/>
               </a:rPr>
-              <a:t>&lt;number&gt;</a:t>
+              <a:t>‹Nº›</a:t>
             </a:fld>
             <a:endParaRPr/>
           </a:p>
@@ -4323,7 +4648,8 @@
           </a:prstGeom>
         </p:spPr>
         <p:txBody>
-          <a:bodyPr wrap="none" lIns="0" rIns="0" tIns="0" bIns="0" anchor="ctr"/>
+          <a:bodyPr wrap="none" lIns="0" tIns="0" rIns="0" bIns="0" anchor="ctr"/>
+          <a:lstStyle/>
           <a:p>
             <a:r>
               <a:rPr lang="es-ES"/>
@@ -4353,7 +4679,8 @@
           </a:prstGeom>
         </p:spPr>
         <p:txBody>
-          <a:bodyPr wrap="none" lIns="0" rIns="0" tIns="0" bIns="0"/>
+          <a:bodyPr wrap="none" lIns="0" tIns="0" rIns="0" bIns="0"/>
+          <a:lstStyle/>
           <a:p>
             <a:pPr>
               <a:buSzPct val="25000"/>
@@ -4442,26 +4769,31 @@
       </p:sp>
     </p:spTree>
   </p:cSld>
-  <p:clrMap bg1="lt1" bg2="lt2" tx1="dk1" tx2="dk2" accent1="accent1" accent2="accent2" accent3="accent3" accent4="accent4" accent5="accent5" accent6="accent6" hlink="hlink" folHlink="folHlink"/>
+  <p:clrMap bg1="lt1" tx1="dk1" bg2="lt2" tx2="dk2" accent1="accent1" accent2="accent2" accent3="accent3" accent4="accent4" accent5="accent5" accent6="accent6" hlink="hlink" folHlink="folHlink"/>
   <p:sldLayoutIdLst>
-    <p:sldLayoutId id="2147483675" r:id="rId2"/>
-    <p:sldLayoutId id="2147483676" r:id="rId3"/>
-    <p:sldLayoutId id="2147483677" r:id="rId4"/>
-    <p:sldLayoutId id="2147483678" r:id="rId5"/>
-    <p:sldLayoutId id="2147483679" r:id="rId6"/>
-    <p:sldLayoutId id="2147483680" r:id="rId7"/>
-    <p:sldLayoutId id="2147483681" r:id="rId8"/>
-    <p:sldLayoutId id="2147483682" r:id="rId9"/>
-    <p:sldLayoutId id="2147483683" r:id="rId10"/>
-    <p:sldLayoutId id="2147483684" r:id="rId11"/>
-    <p:sldLayoutId id="2147483685" r:id="rId12"/>
-    <p:sldLayoutId id="2147483686" r:id="rId13"/>
+    <p:sldLayoutId id="2147483675" r:id="rId1"/>
+    <p:sldLayoutId id="2147483676" r:id="rId2"/>
+    <p:sldLayoutId id="2147483677" r:id="rId3"/>
+    <p:sldLayoutId id="2147483678" r:id="rId4"/>
+    <p:sldLayoutId id="2147483679" r:id="rId5"/>
+    <p:sldLayoutId id="2147483680" r:id="rId6"/>
+    <p:sldLayoutId id="2147483681" r:id="rId7"/>
+    <p:sldLayoutId id="2147483682" r:id="rId8"/>
+    <p:sldLayoutId id="2147483683" r:id="rId9"/>
+    <p:sldLayoutId id="2147483684" r:id="rId10"/>
+    <p:sldLayoutId id="2147483685" r:id="rId11"/>
+    <p:sldLayoutId id="2147483686" r:id="rId12"/>
   </p:sldLayoutIdLst>
+  <p:txStyles>
+    <p:titleStyle/>
+    <p:bodyStyle/>
+    <p:otherStyle/>
+  </p:txStyles>
 </p:sldMaster>
 </file>
 
 <file path=ppt/slides/slide1.xml><?xml version="1.0" encoding="utf-8"?>
-<p:sld xmlns:a="http://schemas.openxmlformats.org/drawingml/2006/main" xmlns:p="http://schemas.openxmlformats.org/presentationml/2006/main" xmlns:r="http://schemas.openxmlformats.org/officeDocument/2006/relationships">
+<p:sld xmlns:a="http://schemas.openxmlformats.org/drawingml/2006/main" xmlns:r="http://schemas.openxmlformats.org/officeDocument/2006/relationships" xmlns:p="http://schemas.openxmlformats.org/presentationml/2006/main">
   <p:cSld>
     <p:spTree>
       <p:nvGrpSpPr>
@@ -4494,6 +4826,7 @@
         </p:spPr>
         <p:txBody>
           <a:bodyPr anchor="ctr"/>
+          <a:lstStyle/>
           <a:p>
             <a:pPr algn="ctr">
               <a:lnSpc>
@@ -4530,6 +4863,7 @@
         </p:spPr>
         <p:txBody>
           <a:bodyPr/>
+          <a:lstStyle/>
           <a:p>
             <a:pPr algn="ctr">
               <a:lnSpc>
@@ -4539,7 +4873,7 @@
             <a:r>
               <a:rPr lang="es-ES" sz="3200">
                 <a:solidFill>
-                  <a:srgbClr val="8b8b8b"/>
+                  <a:srgbClr val="8B8B8B"/>
                 </a:solidFill>
                 <a:latin typeface="Calibri"/>
               </a:rPr>
@@ -4556,7 +4890,7 @@
             <a:r>
               <a:rPr lang="es-ES" sz="3200">
                 <a:solidFill>
-                  <a:srgbClr val="8b8b8b"/>
+                  <a:srgbClr val="8B8B8B"/>
                 </a:solidFill>
                 <a:latin typeface="Calibri"/>
               </a:rPr>
@@ -4568,6 +4902,9 @@
       </p:sp>
     </p:spTree>
   </p:cSld>
+  <p:clrMapOvr>
+    <a:masterClrMapping/>
+  </p:clrMapOvr>
   <p:timing>
     <p:tnLst>
       <p:par>
@@ -4576,14 +4913,14 @@
             <p:seq>
               <p:cTn id="2" nodeType="mainSeq"/>
               <p:prevCondLst>
-                <p:cond delay="0" evt="onPrev">
+                <p:cond evt="onPrev" delay="0">
                   <p:tgtEl>
                     <p:sldTgt/>
                   </p:tgtEl>
                 </p:cond>
               </p:prevCondLst>
               <p:nextCondLst>
-                <p:cond delay="0" evt="onNext">
+                <p:cond evt="onNext" delay="0">
                   <p:tgtEl>
                     <p:sldTgt/>
                   </p:tgtEl>
@@ -4599,7 +4936,7 @@
 </file>
 
 <file path=ppt/slides/slide2.xml><?xml version="1.0" encoding="utf-8"?>
-<p:sld xmlns:a="http://schemas.openxmlformats.org/drawingml/2006/main" xmlns:p="http://schemas.openxmlformats.org/presentationml/2006/main" xmlns:r="http://schemas.openxmlformats.org/officeDocument/2006/relationships">
+<p:sld xmlns:a="http://schemas.openxmlformats.org/drawingml/2006/main" xmlns:r="http://schemas.openxmlformats.org/officeDocument/2006/relationships" xmlns:p="http://schemas.openxmlformats.org/presentationml/2006/main">
   <p:cSld>
     <p:spTree>
       <p:nvGrpSpPr>
@@ -4632,6 +4969,7 @@
         </p:spPr>
         <p:txBody>
           <a:bodyPr anchor="ctr"/>
+          <a:lstStyle/>
           <a:p>
             <a:pPr algn="ctr">
               <a:lnSpc>
@@ -4668,6 +5006,7 @@
         </p:spPr>
         <p:txBody>
           <a:bodyPr/>
+          <a:lstStyle/>
           <a:p>
             <a:pPr>
               <a:lnSpc>
@@ -4816,7 +5155,7 @@
           <a:prstGeom prst="line">
             <a:avLst/>
           </a:prstGeom>
-          <a:ln cap="rnd" w="12600">
+          <a:ln w="12600" cap="rnd">
             <a:solidFill>
               <a:srgbClr val="000000"/>
             </a:solidFill>
@@ -4849,13 +5188,13 @@
       </p:sp>
       <p:pic>
         <p:nvPicPr>
-          <p:cNvPr id="128" name="Picture 2" descr=""/>
+          <p:cNvPr id="128" name="Picture 2"/>
           <p:cNvPicPr/>
           <p:nvPr/>
         </p:nvPicPr>
         <p:blipFill>
-          <a:blip r:embed="rId1"/>
-          <a:srcRect l="0" t="0" r="1513616" b="0"/>
+          <a:blip r:embed="rId2"/>
+          <a:srcRect r="1513616"/>
           <a:stretch>
             <a:fillRect/>
           </a:stretch>
@@ -4911,7 +5250,7 @@
             <a:avLst/>
           </a:prstGeom>
           <a:solidFill>
-            <a:srgbClr val="ffffff"/>
+            <a:srgbClr val="FFFFFF"/>
           </a:solidFill>
           <a:ln w="19080">
             <a:solidFill>
@@ -5005,7 +5344,8 @@
           </a:ln>
         </p:spPr>
         <p:txBody>
-          <a:bodyPr wrap="none" lIns="90000" rIns="90000" tIns="45000" bIns="45000"/>
+          <a:bodyPr wrap="none" lIns="90000" tIns="45000" rIns="90000" bIns="45000"/>
+          <a:lstStyle/>
           <a:p>
             <a:pPr>
               <a:lnSpc>
@@ -5133,7 +5473,8 @@
           </a:ln>
         </p:spPr>
         <p:txBody>
-          <a:bodyPr wrap="none" lIns="90000" rIns="90000" tIns="45000" bIns="45000"/>
+          <a:bodyPr wrap="none" lIns="90000" tIns="45000" rIns="90000" bIns="45000"/>
+          <a:lstStyle/>
           <a:p>
             <a:pPr>
               <a:lnSpc>
@@ -5369,7 +5710,8 @@
           </a:ln>
         </p:spPr>
         <p:txBody>
-          <a:bodyPr wrap="none" lIns="90000" rIns="90000" tIns="45000" bIns="45000"/>
+          <a:bodyPr wrap="none" lIns="90000" tIns="45000" rIns="90000" bIns="45000"/>
+          <a:lstStyle/>
           <a:p>
             <a:pPr>
               <a:lnSpc>
@@ -5409,7 +5751,8 @@
           </a:ln>
         </p:spPr>
         <p:txBody>
-          <a:bodyPr wrap="none" lIns="90000" rIns="90000" tIns="45000" bIns="45000"/>
+          <a:bodyPr wrap="none" lIns="90000" tIns="45000" rIns="90000" bIns="45000"/>
+          <a:lstStyle/>
           <a:p>
             <a:pPr>
               <a:lnSpc>
@@ -5490,17 +5833,18 @@
             </a:avLst>
           </a:prstGeom>
           <a:solidFill>
-            <a:srgbClr val="4f81bd"/>
+            <a:srgbClr val="4F81BD"/>
           </a:solidFill>
           <a:ln w="25560">
             <a:solidFill>
-              <a:srgbClr val="3a5f8b"/>
-            </a:solidFill>
-            <a:round/>
-          </a:ln>
-        </p:spPr>
-        <p:txBody>
-          <a:bodyPr lIns="90000" rIns="90000" tIns="45000" bIns="45000" anchor="ctr"/>
+              <a:srgbClr val="3A5F8B"/>
+            </a:solidFill>
+            <a:round/>
+          </a:ln>
+        </p:spPr>
+        <p:txBody>
+          <a:bodyPr lIns="90000" tIns="45000" rIns="90000" bIns="45000" anchor="ctr"/>
+          <a:lstStyle/>
           <a:p>
             <a:pPr algn="ctr">
               <a:lnSpc>
@@ -5510,7 +5854,7 @@
             <a:r>
               <a:rPr lang="es-ES">
                 <a:solidFill>
-                  <a:srgbClr val="ffffff"/>
+                  <a:srgbClr val="FFFFFF"/>
                 </a:solidFill>
                 <a:latin typeface="Calibri"/>
               </a:rPr>
@@ -5522,12 +5866,12 @@
       </p:sp>
       <p:pic>
         <p:nvPicPr>
-          <p:cNvPr id="154" name="55 Imagen" descr=""/>
+          <p:cNvPr id="154" name="55 Imagen"/>
           <p:cNvPicPr/>
           <p:nvPr/>
         </p:nvPicPr>
         <p:blipFill>
-          <a:blip r:embed="rId2"/>
+          <a:blip r:embed="rId3"/>
           <a:stretch>
             <a:fillRect/>
           </a:stretch>
@@ -5591,12 +5935,12 @@
       </p:sp>
       <p:pic>
         <p:nvPicPr>
-          <p:cNvPr id="157" name="63 Imagen" descr=""/>
+          <p:cNvPr id="157" name="63 Imagen"/>
           <p:cNvPicPr/>
           <p:nvPr/>
         </p:nvPicPr>
         <p:blipFill>
-          <a:blip r:embed="rId3"/>
+          <a:blip r:embed="rId4"/>
           <a:srcRect l="11942" t="18881" r="12573" b="18881"/>
           <a:stretch>
             <a:fillRect/>
@@ -5617,12 +5961,12 @@
       </p:pic>
       <p:pic>
         <p:nvPicPr>
-          <p:cNvPr id="158" name="64 Imagen" descr=""/>
+          <p:cNvPr id="158" name="64 Imagen"/>
           <p:cNvPicPr/>
           <p:nvPr/>
         </p:nvPicPr>
         <p:blipFill>
-          <a:blip r:embed="rId4"/>
+          <a:blip r:embed="rId5"/>
           <a:srcRect l="23046" t="3683" r="23841" b="8163"/>
           <a:stretch>
             <a:fillRect/>
@@ -5643,12 +5987,12 @@
       </p:pic>
       <p:pic>
         <p:nvPicPr>
-          <p:cNvPr id="159" name="65 Imagen" descr=""/>
+          <p:cNvPr id="159" name="65 Imagen"/>
           <p:cNvPicPr/>
           <p:nvPr/>
         </p:nvPicPr>
         <p:blipFill>
-          <a:blip r:embed="rId5"/>
+          <a:blip r:embed="rId6"/>
           <a:srcRect l="19864" t="14899" r="19864" b="14899"/>
           <a:stretch>
             <a:fillRect/>
@@ -5669,54 +6013,7 @@
       </p:pic>
       <p:pic>
         <p:nvPicPr>
-          <p:cNvPr id="160" name="66 Imagen" descr=""/>
-          <p:cNvPicPr/>
-          <p:nvPr/>
-        </p:nvPicPr>
-        <p:blipFill>
-          <a:blip r:embed="rId6"/>
-          <a:stretch>
-            <a:fillRect/>
-          </a:stretch>
-        </p:blipFill>
-        <p:spPr>
-          <a:xfrm>
-            <a:off x="2303280" y="4869000"/>
-            <a:ext cx="431640" cy="653040"/>
-          </a:xfrm>
-          <a:prstGeom prst="rect">
-            <a:avLst/>
-          </a:prstGeom>
-          <a:ln>
-            <a:noFill/>
-          </a:ln>
-        </p:spPr>
-      </p:pic>
-      <p:sp>
-        <p:nvSpPr>
-          <p:cNvPr id="161" name="Line 37"/>
-          <p:cNvSpPr/>
-          <p:nvPr/>
-        </p:nvSpPr>
-        <p:spPr>
-          <a:xfrm flipH="1">
-            <a:off x="2529360" y="4640400"/>
-            <a:ext cx="2520" cy="223920"/>
-          </a:xfrm>
-          <a:prstGeom prst="line">
-            <a:avLst/>
-          </a:prstGeom>
-          <a:ln w="9360">
-            <a:solidFill>
-              <a:srgbClr val="000000"/>
-            </a:solidFill>
-            <a:round/>
-          </a:ln>
-        </p:spPr>
-      </p:sp>
-      <p:pic>
-        <p:nvPicPr>
-          <p:cNvPr id="162" name="74 Imagen" descr=""/>
+          <p:cNvPr id="160" name="66 Imagen"/>
           <p:cNvPicPr/>
           <p:nvPr/>
         </p:nvPicPr>
@@ -5728,6 +6025,53 @@
         </p:blipFill>
         <p:spPr>
           <a:xfrm>
+            <a:off x="2303280" y="4869000"/>
+            <a:ext cx="431640" cy="653040"/>
+          </a:xfrm>
+          <a:prstGeom prst="rect">
+            <a:avLst/>
+          </a:prstGeom>
+          <a:ln>
+            <a:noFill/>
+          </a:ln>
+        </p:spPr>
+      </p:pic>
+      <p:sp>
+        <p:nvSpPr>
+          <p:cNvPr id="161" name="Line 37"/>
+          <p:cNvSpPr/>
+          <p:nvPr/>
+        </p:nvSpPr>
+        <p:spPr>
+          <a:xfrm flipH="1">
+            <a:off x="2529360" y="4640400"/>
+            <a:ext cx="2520" cy="223920"/>
+          </a:xfrm>
+          <a:prstGeom prst="line">
+            <a:avLst/>
+          </a:prstGeom>
+          <a:ln w="9360">
+            <a:solidFill>
+              <a:srgbClr val="000000"/>
+            </a:solidFill>
+            <a:round/>
+          </a:ln>
+        </p:spPr>
+      </p:sp>
+      <p:pic>
+        <p:nvPicPr>
+          <p:cNvPr id="162" name="74 Imagen"/>
+          <p:cNvPicPr/>
+          <p:nvPr/>
+        </p:nvPicPr>
+        <p:blipFill>
+          <a:blip r:embed="rId8"/>
+          <a:stretch>
+            <a:fillRect/>
+          </a:stretch>
+        </p:blipFill>
+        <p:spPr>
+          <a:xfrm>
             <a:off x="827640" y="2637000"/>
             <a:ext cx="1142640" cy="856800"/>
           </a:xfrm>
@@ -5741,22 +6085,25 @@
       </p:pic>
     </p:spTree>
   </p:cSld>
+  <p:clrMapOvr>
+    <a:masterClrMapping/>
+  </p:clrMapOvr>
   <p:timing>
     <p:tnLst>
       <p:par>
-        <p:cTn id="3" dur="indefinite" restart="never" nodeType="tmRoot">
+        <p:cTn id="1" dur="indefinite" restart="never" nodeType="tmRoot">
           <p:childTnLst>
             <p:seq>
-              <p:cTn id="4" nodeType="mainSeq"/>
+              <p:cTn id="2" nodeType="mainSeq"/>
               <p:prevCondLst>
-                <p:cond delay="0" evt="onPrev">
+                <p:cond evt="onPrev" delay="0">
                   <p:tgtEl>
                     <p:sldTgt/>
                   </p:tgtEl>
                 </p:cond>
               </p:prevCondLst>
               <p:nextCondLst>
-                <p:cond delay="0" evt="onNext">
+                <p:cond evt="onNext" delay="0">
                   <p:tgtEl>
                     <p:sldTgt/>
                   </p:tgtEl>
@@ -5772,7 +6119,7 @@
 </file>
 
 <file path=ppt/slides/slide3.xml><?xml version="1.0" encoding="utf-8"?>
-<p:sld xmlns:a="http://schemas.openxmlformats.org/drawingml/2006/main" xmlns:p="http://schemas.openxmlformats.org/presentationml/2006/main" xmlns:r="http://schemas.openxmlformats.org/officeDocument/2006/relationships">
+<p:sld xmlns:a="http://schemas.openxmlformats.org/drawingml/2006/main" xmlns:r="http://schemas.openxmlformats.org/officeDocument/2006/relationships" xmlns:p="http://schemas.openxmlformats.org/presentationml/2006/main">
   <p:cSld>
     <p:spTree>
       <p:nvGrpSpPr>
@@ -5805,6 +6152,7 @@
         </p:spPr>
         <p:txBody>
           <a:bodyPr anchor="ctr"/>
+          <a:lstStyle/>
           <a:p>
             <a:pPr algn="ctr">
               <a:lnSpc>
@@ -5841,6 +6189,7 @@
         </p:spPr>
         <p:txBody>
           <a:bodyPr/>
+          <a:lstStyle/>
           <a:p>
             <a:pPr>
               <a:lnSpc>
@@ -5864,12 +6213,12 @@
       </p:sp>
       <p:pic>
         <p:nvPicPr>
-          <p:cNvPr id="165" name="" descr=""/>
+          <p:cNvPr id="165" name="164 Imagen"/>
           <p:cNvPicPr/>
           <p:nvPr/>
         </p:nvPicPr>
         <p:blipFill>
-          <a:blip r:embed="rId1"/>
+          <a:blip r:embed="rId2"/>
           <a:stretch>
             <a:fillRect/>
           </a:stretch>
@@ -5889,22 +6238,25 @@
       </p:pic>
     </p:spTree>
   </p:cSld>
+  <p:clrMapOvr>
+    <a:masterClrMapping/>
+  </p:clrMapOvr>
   <p:timing>
     <p:tnLst>
       <p:par>
-        <p:cTn id="5" dur="indefinite" restart="never" nodeType="tmRoot">
+        <p:cTn id="1" dur="indefinite" restart="never" nodeType="tmRoot">
           <p:childTnLst>
             <p:seq>
-              <p:cTn id="6" nodeType="mainSeq"/>
+              <p:cTn id="2" nodeType="mainSeq"/>
               <p:prevCondLst>
-                <p:cond delay="0" evt="onPrev">
+                <p:cond evt="onPrev" delay="0">
                   <p:tgtEl>
                     <p:sldTgt/>
                   </p:tgtEl>
                 </p:cond>
               </p:prevCondLst>
               <p:nextCondLst>
-                <p:cond delay="0" evt="onNext">
+                <p:cond evt="onNext" delay="0">
                   <p:tgtEl>
                     <p:sldTgt/>
                   </p:tgtEl>
@@ -5920,7 +6272,7 @@
 </file>
 
 <file path=ppt/slides/slide4.xml><?xml version="1.0" encoding="utf-8"?>
-<p:sld xmlns:a="http://schemas.openxmlformats.org/drawingml/2006/main" xmlns:p="http://schemas.openxmlformats.org/presentationml/2006/main" xmlns:r="http://schemas.openxmlformats.org/officeDocument/2006/relationships">
+<p:sld xmlns:a="http://schemas.openxmlformats.org/drawingml/2006/main" xmlns:r="http://schemas.openxmlformats.org/officeDocument/2006/relationships" xmlns:p="http://schemas.openxmlformats.org/presentationml/2006/main">
   <p:cSld>
     <p:spTree>
       <p:nvGrpSpPr>
@@ -5953,6 +6305,7 @@
         </p:spPr>
         <p:txBody>
           <a:bodyPr anchor="ctr"/>
+          <a:lstStyle/>
           <a:p>
             <a:pPr algn="ctr">
               <a:lnSpc>
@@ -5989,6 +6342,7 @@
         </p:spPr>
         <p:txBody>
           <a:bodyPr/>
+          <a:lstStyle/>
           <a:p>
             <a:pPr>
               <a:lnSpc>
@@ -6012,32 +6366,7 @@
       </p:sp>
       <p:pic>
         <p:nvPicPr>
-          <p:cNvPr id="168" name="" descr=""/>
-          <p:cNvPicPr/>
-          <p:nvPr/>
-        </p:nvPicPr>
-        <p:blipFill>
-          <a:blip r:embed="rId1"/>
-          <a:stretch>
-            <a:fillRect/>
-          </a:stretch>
-        </p:blipFill>
-        <p:spPr>
-          <a:xfrm>
-            <a:off x="792000" y="3394800"/>
-            <a:ext cx="1903320" cy="1429200"/>
-          </a:xfrm>
-          <a:prstGeom prst="rect">
-            <a:avLst/>
-          </a:prstGeom>
-          <a:ln>
-            <a:noFill/>
-          </a:ln>
-        </p:spPr>
-      </p:pic>
-      <p:pic>
-        <p:nvPicPr>
-          <p:cNvPr id="169" name="" descr=""/>
+          <p:cNvPr id="168" name="167 Imagen"/>
           <p:cNvPicPr/>
           <p:nvPr/>
         </p:nvPicPr>
@@ -6049,7 +6378,7 @@
         </p:blipFill>
         <p:spPr>
           <a:xfrm>
-            <a:off x="3568680" y="3384000"/>
+            <a:off x="792000" y="3394800"/>
             <a:ext cx="1903320" cy="1429200"/>
           </a:xfrm>
           <a:prstGeom prst="rect">
@@ -6062,7 +6391,7 @@
       </p:pic>
       <p:pic>
         <p:nvPicPr>
-          <p:cNvPr id="170" name="" descr=""/>
+          <p:cNvPr id="169" name="168 Imagen"/>
           <p:cNvPicPr/>
           <p:nvPr/>
         </p:nvPicPr>
@@ -6074,6 +6403,31 @@
         </p:blipFill>
         <p:spPr>
           <a:xfrm>
+            <a:off x="3568680" y="3384000"/>
+            <a:ext cx="1903320" cy="1429200"/>
+          </a:xfrm>
+          <a:prstGeom prst="rect">
+            <a:avLst/>
+          </a:prstGeom>
+          <a:ln>
+            <a:noFill/>
+          </a:ln>
+        </p:spPr>
+      </p:pic>
+      <p:pic>
+        <p:nvPicPr>
+          <p:cNvPr id="170" name="169 Imagen"/>
+          <p:cNvPicPr/>
+          <p:nvPr/>
+        </p:nvPicPr>
+        <p:blipFill>
+          <a:blip r:embed="rId4"/>
+          <a:stretch>
+            <a:fillRect/>
+          </a:stretch>
+        </p:blipFill>
+        <p:spPr>
+          <a:xfrm>
             <a:off x="6232680" y="3322800"/>
             <a:ext cx="1903320" cy="1429200"/>
           </a:xfrm>
@@ -6101,10 +6455,11 @@
           </a:prstGeom>
         </p:spPr>
         <p:txBody>
-          <a:bodyPr wrap="none" lIns="90000" rIns="90000" tIns="45000" bIns="45000"/>
+          <a:bodyPr wrap="none" lIns="90000" tIns="45000" rIns="90000" bIns="45000"/>
+          <a:lstStyle/>
           <a:p>
             <a:r>
-              <a:rPr b="1" lang="es-ES"/>
+              <a:rPr lang="es-ES" b="1"/>
               <a:t>Note:</a:t>
             </a:r>
             <a:r>
@@ -6117,22 +6472,25 @@
       </p:sp>
     </p:spTree>
   </p:cSld>
+  <p:clrMapOvr>
+    <a:masterClrMapping/>
+  </p:clrMapOvr>
   <p:timing>
     <p:tnLst>
       <p:par>
-        <p:cTn id="7" dur="indefinite" restart="never" nodeType="tmRoot">
+        <p:cTn id="1" dur="indefinite" restart="never" nodeType="tmRoot">
           <p:childTnLst>
             <p:seq>
-              <p:cTn id="8" nodeType="mainSeq"/>
+              <p:cTn id="2" nodeType="mainSeq"/>
               <p:prevCondLst>
-                <p:cond delay="0" evt="onPrev">
+                <p:cond evt="onPrev" delay="0">
                   <p:tgtEl>
                     <p:sldTgt/>
                   </p:tgtEl>
                 </p:cond>
               </p:prevCondLst>
               <p:nextCondLst>
-                <p:cond delay="0" evt="onNext">
+                <p:cond evt="onNext" delay="0">
                   <p:tgtEl>
                     <p:sldTgt/>
                   </p:tgtEl>
@@ -6148,7 +6506,7 @@
 </file>
 
 <file path=ppt/slides/slide5.xml><?xml version="1.0" encoding="utf-8"?>
-<p:sld xmlns:a="http://schemas.openxmlformats.org/drawingml/2006/main" xmlns:p="http://schemas.openxmlformats.org/presentationml/2006/main" xmlns:r="http://schemas.openxmlformats.org/officeDocument/2006/relationships">
+<p:sld xmlns:a="http://schemas.openxmlformats.org/drawingml/2006/main" xmlns:r="http://schemas.openxmlformats.org/officeDocument/2006/relationships" xmlns:p="http://schemas.openxmlformats.org/presentationml/2006/main">
   <p:cSld>
     <p:spTree>
       <p:nvGrpSpPr>
@@ -6181,6 +6539,7 @@
         </p:spPr>
         <p:txBody>
           <a:bodyPr anchor="ctr"/>
+          <a:lstStyle/>
           <a:p>
             <a:pPr algn="ctr">
               <a:lnSpc>
@@ -6217,6 +6576,7 @@
         </p:spPr>
         <p:txBody>
           <a:bodyPr/>
+          <a:lstStyle/>
           <a:p>
             <a:pPr>
               <a:lnSpc>
@@ -6240,47 +6600,21 @@
       </p:sp>
       <p:pic>
         <p:nvPicPr>
-          <p:cNvPr id="174" name="" descr=""/>
+          <p:cNvPr id="174" name="173 Imagen"/>
           <p:cNvPicPr/>
           <p:nvPr/>
         </p:nvPicPr>
         <p:blipFill>
-          <a:blip r:embed="rId1"/>
-          <a:srcRect l="0" t="0" r="0" b="50078"/>
+          <a:blip r:embed="rId2"/>
+          <a:srcRect b="50078"/>
           <a:stretch>
             <a:fillRect/>
           </a:stretch>
         </p:blipFill>
         <p:spPr>
           <a:xfrm>
-            <a:off x="864000" y="2702160"/>
+            <a:off x="1691680" y="2702160"/>
             <a:ext cx="5143320" cy="3423600"/>
-          </a:xfrm>
-          <a:prstGeom prst="rect">
-            <a:avLst/>
-          </a:prstGeom>
-          <a:ln>
-            <a:noFill/>
-          </a:ln>
-        </p:spPr>
-      </p:pic>
-      <p:pic>
-        <p:nvPicPr>
-          <p:cNvPr id="175" name="" descr=""/>
-          <p:cNvPicPr/>
-          <p:nvPr/>
-        </p:nvPicPr>
-        <p:blipFill>
-          <a:blip r:embed="rId2"/>
-          <a:srcRect l="559800" t="0" r="672000" b="0"/>
-          <a:stretch>
-            <a:fillRect/>
-          </a:stretch>
-        </p:blipFill>
-        <p:spPr>
-          <a:xfrm>
-            <a:off x="6552000" y="2448000"/>
-            <a:ext cx="1792080" cy="4010400"/>
           </a:xfrm>
           <a:prstGeom prst="rect">
             <a:avLst/>
@@ -6292,22 +6626,25 @@
       </p:pic>
     </p:spTree>
   </p:cSld>
+  <p:clrMapOvr>
+    <a:masterClrMapping/>
+  </p:clrMapOvr>
   <p:timing>
     <p:tnLst>
       <p:par>
-        <p:cTn id="9" dur="indefinite" restart="never" nodeType="tmRoot">
+        <p:cTn id="1" dur="indefinite" restart="never" nodeType="tmRoot">
           <p:childTnLst>
             <p:seq>
-              <p:cTn id="10" nodeType="mainSeq"/>
+              <p:cTn id="2" nodeType="mainSeq"/>
               <p:prevCondLst>
-                <p:cond delay="0" evt="onPrev">
+                <p:cond evt="onPrev" delay="0">
                   <p:tgtEl>
                     <p:sldTgt/>
                   </p:tgtEl>
                 </p:cond>
               </p:prevCondLst>
               <p:nextCondLst>
-                <p:cond delay="0" evt="onNext">
+                <p:cond evt="onNext" delay="0">
                   <p:tgtEl>
                     <p:sldTgt/>
                   </p:tgtEl>
@@ -6323,7 +6660,7 @@
 </file>
 
 <file path=ppt/slides/slide6.xml><?xml version="1.0" encoding="utf-8"?>
-<p:sld xmlns:a="http://schemas.openxmlformats.org/drawingml/2006/main" xmlns:p="http://schemas.openxmlformats.org/presentationml/2006/main" xmlns:r="http://schemas.openxmlformats.org/officeDocument/2006/relationships">
+<p:sld xmlns:a="http://schemas.openxmlformats.org/drawingml/2006/main" xmlns:r="http://schemas.openxmlformats.org/officeDocument/2006/relationships" xmlns:p="http://schemas.openxmlformats.org/presentationml/2006/main">
   <p:cSld>
     <p:spTree>
       <p:nvGrpSpPr>
@@ -6356,6 +6693,7 @@
         </p:spPr>
         <p:txBody>
           <a:bodyPr anchor="ctr"/>
+          <a:lstStyle/>
           <a:p>
             <a:pPr algn="ctr">
               <a:lnSpc>
@@ -6392,6 +6730,7 @@
         </p:spPr>
         <p:txBody>
           <a:bodyPr/>
+          <a:lstStyle/>
           <a:p>
             <a:pPr>
               <a:lnSpc>
@@ -6415,12 +6754,12 @@
       </p:sp>
       <p:pic>
         <p:nvPicPr>
-          <p:cNvPr id="178" name="" descr=""/>
+          <p:cNvPr id="178" name="177 Imagen"/>
           <p:cNvPicPr/>
           <p:nvPr/>
         </p:nvPicPr>
         <p:blipFill>
-          <a:blip r:embed="rId1"/>
+          <a:blip r:embed="rId2"/>
           <a:stretch>
             <a:fillRect/>
           </a:stretch>
@@ -6440,22 +6779,25 @@
       </p:pic>
     </p:spTree>
   </p:cSld>
+  <p:clrMapOvr>
+    <a:masterClrMapping/>
+  </p:clrMapOvr>
   <p:timing>
     <p:tnLst>
       <p:par>
-        <p:cTn id="11" dur="indefinite" restart="never" nodeType="tmRoot">
+        <p:cTn id="1" dur="indefinite" restart="never" nodeType="tmRoot">
           <p:childTnLst>
             <p:seq>
-              <p:cTn id="12" nodeType="mainSeq"/>
+              <p:cTn id="2" nodeType="mainSeq"/>
               <p:prevCondLst>
-                <p:cond delay="0" evt="onPrev">
+                <p:cond evt="onPrev" delay="0">
                   <p:tgtEl>
                     <p:sldTgt/>
                   </p:tgtEl>
                 </p:cond>
               </p:prevCondLst>
               <p:nextCondLst>
-                <p:cond delay="0" evt="onNext">
+                <p:cond evt="onNext" delay="0">
                   <p:tgtEl>
                     <p:sldTgt/>
                   </p:tgtEl>
@@ -6471,7 +6813,7 @@
 </file>
 
 <file path=ppt/slides/slide7.xml><?xml version="1.0" encoding="utf-8"?>
-<p:sld xmlns:a="http://schemas.openxmlformats.org/drawingml/2006/main" xmlns:p="http://schemas.openxmlformats.org/presentationml/2006/main" xmlns:r="http://schemas.openxmlformats.org/officeDocument/2006/relationships">
+<p:sld xmlns:a="http://schemas.openxmlformats.org/drawingml/2006/main" xmlns:r="http://schemas.openxmlformats.org/officeDocument/2006/relationships" xmlns:p="http://schemas.openxmlformats.org/presentationml/2006/main">
   <p:cSld>
     <p:spTree>
       <p:nvGrpSpPr>
@@ -6504,6 +6846,7 @@
         </p:spPr>
         <p:txBody>
           <a:bodyPr anchor="ctr"/>
+          <a:lstStyle/>
           <a:p>
             <a:pPr algn="ctr">
               <a:lnSpc>
@@ -6540,6 +6883,7 @@
         </p:spPr>
         <p:txBody>
           <a:bodyPr/>
+          <a:lstStyle/>
           <a:p>
             <a:pPr>
               <a:lnSpc>
@@ -6563,12 +6907,12 @@
       </p:sp>
       <p:pic>
         <p:nvPicPr>
-          <p:cNvPr id="181" name="" descr=""/>
+          <p:cNvPr id="181" name="180 Imagen"/>
           <p:cNvPicPr/>
           <p:nvPr/>
         </p:nvPicPr>
         <p:blipFill>
-          <a:blip r:embed="rId1"/>
+          <a:blip r:embed="rId2"/>
           <a:stretch>
             <a:fillRect/>
           </a:stretch>
@@ -6588,22 +6932,25 @@
       </p:pic>
     </p:spTree>
   </p:cSld>
+  <p:clrMapOvr>
+    <a:masterClrMapping/>
+  </p:clrMapOvr>
   <p:timing>
     <p:tnLst>
       <p:par>
-        <p:cTn id="13" dur="indefinite" restart="never" nodeType="tmRoot">
+        <p:cTn id="1" dur="indefinite" restart="never" nodeType="tmRoot">
           <p:childTnLst>
             <p:seq>
-              <p:cTn id="14" nodeType="mainSeq"/>
+              <p:cTn id="2" nodeType="mainSeq"/>
               <p:prevCondLst>
-                <p:cond delay="0" evt="onPrev">
+                <p:cond evt="onPrev" delay="0">
                   <p:tgtEl>
                     <p:sldTgt/>
                   </p:tgtEl>
                 </p:cond>
               </p:prevCondLst>
               <p:nextCondLst>
-                <p:cond delay="0" evt="onNext">
+                <p:cond evt="onNext" delay="0">
                   <p:tgtEl>
                     <p:sldTgt/>
                   </p:tgtEl>
@@ -6619,7 +6966,7 @@
 </file>
 
 <file path=ppt/slides/slide8.xml><?xml version="1.0" encoding="utf-8"?>
-<p:sld xmlns:a="http://schemas.openxmlformats.org/drawingml/2006/main" xmlns:p="http://schemas.openxmlformats.org/presentationml/2006/main" xmlns:r="http://schemas.openxmlformats.org/officeDocument/2006/relationships">
+<p:sld xmlns:a="http://schemas.openxmlformats.org/drawingml/2006/main" xmlns:r="http://schemas.openxmlformats.org/officeDocument/2006/relationships" xmlns:p="http://schemas.openxmlformats.org/presentationml/2006/main">
   <p:cSld>
     <p:spTree>
       <p:nvGrpSpPr>
@@ -6652,6 +6999,7 @@
         </p:spPr>
         <p:txBody>
           <a:bodyPr anchor="ctr"/>
+          <a:lstStyle/>
           <a:p>
             <a:pPr algn="ctr">
               <a:lnSpc>
@@ -6688,6 +7036,7 @@
         </p:spPr>
         <p:txBody>
           <a:bodyPr/>
+          <a:lstStyle/>
           <a:p>
             <a:pPr>
               <a:lnSpc>
@@ -6711,12 +7060,12 @@
       </p:sp>
       <p:pic>
         <p:nvPicPr>
-          <p:cNvPr id="184" name="" descr=""/>
+          <p:cNvPr id="184" name="183 Imagen"/>
           <p:cNvPicPr/>
           <p:nvPr/>
         </p:nvPicPr>
         <p:blipFill>
-          <a:blip r:embed="rId1"/>
+          <a:blip r:embed="rId2"/>
           <a:stretch>
             <a:fillRect/>
           </a:stretch>
@@ -6736,22 +7085,25 @@
       </p:pic>
     </p:spTree>
   </p:cSld>
+  <p:clrMapOvr>
+    <a:masterClrMapping/>
+  </p:clrMapOvr>
   <p:timing>
     <p:tnLst>
       <p:par>
-        <p:cTn id="15" dur="indefinite" restart="never" nodeType="tmRoot">
+        <p:cTn id="1" dur="indefinite" restart="never" nodeType="tmRoot">
           <p:childTnLst>
             <p:seq>
-              <p:cTn id="16" nodeType="mainSeq"/>
+              <p:cTn id="2" nodeType="mainSeq"/>
               <p:prevCondLst>
-                <p:cond delay="0" evt="onPrev">
+                <p:cond evt="onPrev" delay="0">
                   <p:tgtEl>
                     <p:sldTgt/>
                   </p:tgtEl>
                 </p:cond>
               </p:prevCondLst>
               <p:nextCondLst>
-                <p:cond delay="0" evt="onNext">
+                <p:cond evt="onNext" delay="0">
                   <p:tgtEl>
                     <p:sldTgt/>
                   </p:tgtEl>
@@ -6767,7 +7119,7 @@
 </file>
 
 <file path=ppt/slides/slide9.xml><?xml version="1.0" encoding="utf-8"?>
-<p:sld xmlns:a="http://schemas.openxmlformats.org/drawingml/2006/main" xmlns:p="http://schemas.openxmlformats.org/presentationml/2006/main" xmlns:r="http://schemas.openxmlformats.org/officeDocument/2006/relationships">
+<p:sld xmlns:a="http://schemas.openxmlformats.org/drawingml/2006/main" xmlns:r="http://schemas.openxmlformats.org/officeDocument/2006/relationships" xmlns:p="http://schemas.openxmlformats.org/presentationml/2006/main">
   <p:cSld>
     <p:spTree>
       <p:nvGrpSpPr>
@@ -6803,7 +7155,8 @@
           </a:ln>
         </p:spPr>
         <p:txBody>
-          <a:bodyPr wrap="none" lIns="90000" rIns="90000" tIns="45000" bIns="45000"/>
+          <a:bodyPr wrap="none" lIns="90000" tIns="45000" rIns="90000" bIns="45000"/>
+          <a:lstStyle/>
           <a:p>
             <a:pPr>
               <a:lnSpc>
@@ -6811,7 +7164,7 @@
               </a:lnSpc>
             </a:pPr>
             <a:r>
-              <a:rPr b="1" lang="es-ES" sz="2400">
+              <a:rPr lang="es-ES" sz="2400" b="1">
                 <a:solidFill>
                   <a:srgbClr val="000000"/>
                 </a:solidFill>
@@ -6843,7 +7196,8 @@
           </a:ln>
         </p:spPr>
         <p:txBody>
-          <a:bodyPr wrap="none" lIns="90000" rIns="90000" tIns="45000" bIns="45000"/>
+          <a:bodyPr wrap="none" lIns="90000" tIns="45000" rIns="90000" bIns="45000"/>
+          <a:lstStyle/>
           <a:p>
             <a:pPr>
               <a:lnSpc>
@@ -6917,7 +7271,8 @@
           </a:ln>
         </p:spPr>
         <p:txBody>
-          <a:bodyPr wrap="none" lIns="90000" rIns="90000" tIns="45000" bIns="45000"/>
+          <a:bodyPr wrap="none" lIns="90000" tIns="45000" rIns="90000" bIns="45000"/>
+          <a:lstStyle/>
           <a:p>
             <a:pPr>
               <a:lnSpc>
@@ -6980,7 +7335,8 @@
           </a:ln>
         </p:spPr>
         <p:txBody>
-          <a:bodyPr wrap="none" lIns="90000" rIns="90000" tIns="45000" bIns="45000"/>
+          <a:bodyPr wrap="none" lIns="90000" tIns="45000" rIns="90000" bIns="45000"/>
+          <a:lstStyle/>
           <a:p>
             <a:pPr>
               <a:lnSpc>
@@ -7061,7 +7417,7 @@
             <a:avLst/>
           </a:prstGeom>
           <a:solidFill>
-            <a:srgbClr val="ffffff"/>
+            <a:srgbClr val="FFFFFF"/>
           </a:solidFill>
           <a:ln w="19080">
             <a:solidFill>
@@ -7086,11 +7442,11 @@
             <a:avLst/>
           </a:prstGeom>
           <a:solidFill>
-            <a:srgbClr val="ffffff"/>
+            <a:srgbClr val="FFFFFF"/>
           </a:solidFill>
           <a:ln w="19080">
             <a:solidFill>
-              <a:srgbClr val="ffffff"/>
+              <a:srgbClr val="FFFFFF"/>
             </a:solidFill>
             <a:miter/>
           </a:ln>
@@ -7138,7 +7494,8 @@
           </a:ln>
         </p:spPr>
         <p:txBody>
-          <a:bodyPr wrap="none" lIns="90000" rIns="90000" tIns="45000" bIns="45000"/>
+          <a:bodyPr wrap="none" lIns="90000" tIns="45000" rIns="90000" bIns="45000"/>
+          <a:lstStyle/>
           <a:p>
             <a:pPr>
               <a:lnSpc>
@@ -7195,7 +7552,8 @@
           </a:ln>
         </p:spPr>
         <p:txBody>
-          <a:bodyPr wrap="none" lIns="90000" rIns="90000" tIns="45000" bIns="45000"/>
+          <a:bodyPr wrap="none" lIns="90000" tIns="45000" rIns="90000" bIns="45000"/>
+          <a:lstStyle/>
           <a:p>
             <a:pPr>
               <a:lnSpc>
@@ -7252,7 +7610,8 @@
           </a:ln>
         </p:spPr>
         <p:txBody>
-          <a:bodyPr wrap="none" lIns="90000" rIns="90000" tIns="45000" bIns="45000"/>
+          <a:bodyPr wrap="none" lIns="90000" tIns="45000" rIns="90000" bIns="45000"/>
+          <a:lstStyle/>
           <a:p>
             <a:pPr>
               <a:lnSpc>
@@ -7317,7 +7676,8 @@
           </a:ln>
         </p:spPr>
         <p:txBody>
-          <a:bodyPr wrap="none" lIns="90000" rIns="90000" tIns="45000" bIns="45000"/>
+          <a:bodyPr wrap="none" lIns="90000" tIns="45000" rIns="90000" bIns="45000"/>
+          <a:lstStyle/>
           <a:p>
             <a:pPr>
               <a:lnSpc>
@@ -7357,7 +7717,8 @@
           </a:ln>
         </p:spPr>
         <p:txBody>
-          <a:bodyPr wrap="none" lIns="90000" rIns="90000" tIns="45000" bIns="45000"/>
+          <a:bodyPr wrap="none" lIns="90000" tIns="45000" rIns="90000" bIns="45000"/>
+          <a:lstStyle/>
           <a:p>
             <a:pPr>
               <a:lnSpc>
@@ -7392,7 +7753,7 @@
             <a:avLst/>
           </a:prstGeom>
           <a:solidFill>
-            <a:srgbClr val="ffffff"/>
+            <a:srgbClr val="FFFFFF"/>
           </a:solidFill>
           <a:ln w="19080">
             <a:solidFill>
@@ -7422,7 +7783,8 @@
           </a:ln>
         </p:spPr>
         <p:txBody>
-          <a:bodyPr wrap="none" lIns="90000" rIns="0" tIns="45000" bIns="45000"/>
+          <a:bodyPr wrap="none" lIns="90000" tIns="45000" rIns="0" bIns="45000"/>
+          <a:lstStyle/>
           <a:p>
             <a:pPr algn="r">
               <a:lnSpc>
@@ -7457,7 +7819,7 @@
             <a:avLst/>
           </a:prstGeom>
           <a:solidFill>
-            <a:srgbClr val="ffffff"/>
+            <a:srgbClr val="FFFFFF"/>
           </a:solidFill>
           <a:ln w="19080">
             <a:solidFill>
@@ -7487,7 +7849,8 @@
           </a:ln>
         </p:spPr>
         <p:txBody>
-          <a:bodyPr wrap="none" lIns="0" rIns="0" tIns="45000" bIns="45000"/>
+          <a:bodyPr wrap="none" lIns="0" tIns="45000" rIns="0" bIns="45000"/>
+          <a:lstStyle/>
           <a:p>
             <a:pPr>
               <a:lnSpc>
@@ -7527,7 +7890,8 @@
           </a:ln>
         </p:spPr>
         <p:txBody>
-          <a:bodyPr wrap="none" lIns="0" rIns="0" tIns="45000" bIns="45000"/>
+          <a:bodyPr wrap="none" lIns="0" tIns="45000" rIns="0" bIns="45000"/>
+          <a:lstStyle/>
           <a:p>
             <a:pPr>
               <a:lnSpc>
@@ -7590,7 +7954,8 @@
           </a:ln>
         </p:spPr>
         <p:txBody>
-          <a:bodyPr wrap="none" lIns="90000" rIns="90000" tIns="45000" bIns="45000"/>
+          <a:bodyPr wrap="none" lIns="90000" tIns="45000" rIns="90000" bIns="45000"/>
+          <a:lstStyle/>
           <a:p>
             <a:pPr>
               <a:lnSpc>
@@ -7630,7 +7995,8 @@
           </a:ln>
         </p:spPr>
         <p:txBody>
-          <a:bodyPr wrap="none" lIns="90000" rIns="90000" tIns="45000" bIns="45000"/>
+          <a:bodyPr wrap="none" lIns="90000" tIns="45000" rIns="90000" bIns="45000"/>
+          <a:lstStyle/>
           <a:p>
             <a:pPr>
               <a:lnSpc>
@@ -7670,7 +8036,8 @@
           </a:ln>
         </p:spPr>
         <p:txBody>
-          <a:bodyPr wrap="none" lIns="90000" rIns="90000" tIns="45000" bIns="45000"/>
+          <a:bodyPr wrap="none" lIns="90000" tIns="45000" rIns="90000" bIns="45000"/>
+          <a:lstStyle/>
           <a:p>
             <a:pPr>
               <a:lnSpc>
@@ -7678,7 +8045,7 @@
               </a:lnSpc>
             </a:pPr>
             <a:r>
-              <a:rPr b="1" lang="es-ES" sz="2400">
+              <a:rPr lang="es-ES" sz="2400" b="1">
                 <a:solidFill>
                   <a:srgbClr val="000000"/>
                 </a:solidFill>
@@ -7695,7 +8062,7 @@
               </a:lnSpc>
             </a:pPr>
             <a:r>
-              <a:rPr b="1" lang="es-ES" sz="2400">
+              <a:rPr lang="es-ES" sz="2400" b="1">
                 <a:solidFill>
                   <a:srgbClr val="000000"/>
                 </a:solidFill>
@@ -7727,7 +8094,8 @@
           </a:ln>
         </p:spPr>
         <p:txBody>
-          <a:bodyPr wrap="none" lIns="90000" rIns="90000" tIns="45000" bIns="45000"/>
+          <a:bodyPr wrap="none" lIns="90000" tIns="45000" rIns="90000" bIns="45000"/>
+          <a:lstStyle/>
           <a:p>
             <a:pPr>
               <a:lnSpc>
@@ -7784,7 +8152,8 @@
           </a:ln>
         </p:spPr>
         <p:txBody>
-          <a:bodyPr wrap="none" lIns="90000" rIns="90000" tIns="45000" bIns="45000"/>
+          <a:bodyPr wrap="none" lIns="90000" tIns="45000" rIns="90000" bIns="45000"/>
+          <a:lstStyle/>
           <a:p>
             <a:pPr>
               <a:lnSpc>
@@ -7841,7 +8210,8 @@
           </a:ln>
         </p:spPr>
         <p:txBody>
-          <a:bodyPr wrap="none" lIns="90000" rIns="90000" tIns="45000" bIns="45000"/>
+          <a:bodyPr wrap="none" lIns="90000" tIns="45000" rIns="90000" bIns="45000"/>
+          <a:lstStyle/>
           <a:p>
             <a:pPr>
               <a:lnSpc>
@@ -7898,7 +8268,8 @@
           </a:ln>
         </p:spPr>
         <p:txBody>
-          <a:bodyPr wrap="none" lIns="90000" rIns="90000" tIns="45000" bIns="45000"/>
+          <a:bodyPr wrap="none" lIns="90000" tIns="45000" rIns="90000" bIns="45000"/>
+          <a:lstStyle/>
           <a:p>
             <a:pPr>
               <a:lnSpc>
@@ -7955,7 +8326,8 @@
           </a:ln>
         </p:spPr>
         <p:txBody>
-          <a:bodyPr wrap="none" lIns="90000" rIns="90000" tIns="45000" bIns="45000"/>
+          <a:bodyPr wrap="none" lIns="90000" tIns="45000" rIns="90000" bIns="45000"/>
+          <a:lstStyle/>
           <a:p>
             <a:pPr>
               <a:lnSpc>
@@ -8012,7 +8384,8 @@
           </a:ln>
         </p:spPr>
         <p:txBody>
-          <a:bodyPr wrap="none" lIns="90000" rIns="90000" tIns="45000" bIns="45000"/>
+          <a:bodyPr wrap="none" lIns="90000" tIns="45000" rIns="90000" bIns="45000"/>
+          <a:lstStyle/>
           <a:p>
             <a:pPr>
               <a:lnSpc>
@@ -8052,7 +8425,8 @@
           </a:ln>
         </p:spPr>
         <p:txBody>
-          <a:bodyPr wrap="none" lIns="90000" rIns="90000" tIns="45000" bIns="45000"/>
+          <a:bodyPr wrap="none" lIns="90000" tIns="45000" rIns="90000" bIns="45000"/>
+          <a:lstStyle/>
           <a:p>
             <a:pPr>
               <a:lnSpc>
@@ -8092,7 +8466,8 @@
           </a:ln>
         </p:spPr>
         <p:txBody>
-          <a:bodyPr wrap="none" lIns="90000" rIns="90000" tIns="45000" bIns="45000"/>
+          <a:bodyPr wrap="none" lIns="90000" tIns="45000" rIns="90000" bIns="45000"/>
+          <a:lstStyle/>
           <a:p>
             <a:pPr>
               <a:lnSpc>
@@ -8198,7 +8573,7 @@
               <a:srgbClr val="000000"/>
             </a:solidFill>
             <a:round/>
-            <a:tailEnd len="med" type="triangle" w="med"/>
+            <a:tailEnd type="triangle" w="med" len="med"/>
           </a:ln>
         </p:spPr>
       </p:sp>
@@ -8217,7 +8592,7 @@
             <a:avLst/>
           </a:prstGeom>
           <a:solidFill>
-            <a:srgbClr val="ffffff"/>
+            <a:srgbClr val="FFFFFF"/>
           </a:solidFill>
           <a:ln w="19080">
             <a:solidFill>
@@ -8247,7 +8622,8 @@
           </a:ln>
         </p:spPr>
         <p:txBody>
-          <a:bodyPr wrap="none" lIns="90000" rIns="90000" tIns="45000" bIns="45000"/>
+          <a:bodyPr wrap="none" lIns="90000" tIns="45000" rIns="90000" bIns="45000"/>
+          <a:lstStyle/>
           <a:p>
             <a:pPr>
               <a:lnSpc>
@@ -8373,7 +8749,7 @@
               <a:srgbClr val="000000"/>
             </a:solidFill>
             <a:round/>
-            <a:tailEnd len="med" type="triangle" w="med"/>
+            <a:tailEnd type="triangle" w="med" len="med"/>
           </a:ln>
         </p:spPr>
       </p:sp>
@@ -8392,7 +8768,7 @@
             <a:avLst/>
           </a:prstGeom>
           <a:solidFill>
-            <a:srgbClr val="ffffff"/>
+            <a:srgbClr val="FFFFFF"/>
           </a:solidFill>
           <a:ln w="19080">
             <a:solidFill>
@@ -8467,7 +8843,8 @@
           </a:ln>
         </p:spPr>
         <p:txBody>
-          <a:bodyPr wrap="none" lIns="90000" rIns="90000" tIns="45000" bIns="45000"/>
+          <a:bodyPr wrap="none" lIns="90000" tIns="45000" rIns="90000" bIns="45000"/>
+          <a:lstStyle/>
           <a:p>
             <a:pPr>
               <a:lnSpc>
@@ -8593,7 +8970,7 @@
               <a:srgbClr val="000000"/>
             </a:solidFill>
             <a:round/>
-            <a:tailEnd len="med" type="triangle" w="med"/>
+            <a:tailEnd type="triangle" w="med" len="med"/>
           </a:ln>
         </p:spPr>
       </p:sp>
@@ -8612,7 +8989,7 @@
             <a:avLst/>
           </a:prstGeom>
           <a:solidFill>
-            <a:srgbClr val="ffffff"/>
+            <a:srgbClr val="FFFFFF"/>
           </a:solidFill>
           <a:ln w="19080">
             <a:solidFill>
@@ -8708,7 +9085,7 @@
               <a:srgbClr val="000000"/>
             </a:solidFill>
             <a:round/>
-            <a:tailEnd len="med" type="triangle" w="med"/>
+            <a:tailEnd type="triangle" w="med" len="med"/>
           </a:ln>
         </p:spPr>
       </p:sp>
@@ -8727,7 +9104,7 @@
             <a:avLst/>
           </a:prstGeom>
           <a:solidFill>
-            <a:srgbClr val="ffffff"/>
+            <a:srgbClr val="FFFFFF"/>
           </a:solidFill>
           <a:ln w="19080">
             <a:solidFill>
@@ -8757,7 +9134,8 @@
           </a:ln>
         </p:spPr>
         <p:txBody>
-          <a:bodyPr wrap="none" lIns="90000" rIns="90000" tIns="45000" bIns="45000"/>
+          <a:bodyPr wrap="none" lIns="90000" tIns="45000" rIns="90000" bIns="45000"/>
+          <a:lstStyle/>
           <a:p>
             <a:pPr>
               <a:lnSpc>
@@ -8817,7 +9195,8 @@
           </a:ln>
         </p:spPr>
         <p:txBody>
-          <a:bodyPr wrap="none" lIns="90000" rIns="90000" tIns="45000" bIns="45000"/>
+          <a:bodyPr wrap="none" lIns="90000" tIns="45000" rIns="90000" bIns="45000"/>
+          <a:lstStyle/>
           <a:p>
             <a:pPr algn="r">
               <a:lnSpc>
@@ -9200,7 +9579,8 @@
           </a:ln>
         </p:spPr>
         <p:txBody>
-          <a:bodyPr wrap="none" lIns="90000" rIns="90000" tIns="45000" bIns="45000"/>
+          <a:bodyPr wrap="none" lIns="90000" tIns="45000" rIns="90000" bIns="45000"/>
+          <a:lstStyle/>
           <a:p>
             <a:pPr>
               <a:lnSpc>
@@ -9327,7 +9707,8 @@
           </a:ln>
         </p:spPr>
         <p:txBody>
-          <a:bodyPr wrap="none" lIns="90000" rIns="90000" tIns="45000" bIns="45000"/>
+          <a:bodyPr wrap="none" lIns="90000" tIns="45000" rIns="90000" bIns="45000"/>
+          <a:lstStyle/>
           <a:p>
             <a:pPr>
               <a:lnSpc>
@@ -9432,7 +9813,8 @@
           </a:ln>
         </p:spPr>
         <p:txBody>
-          <a:bodyPr wrap="none" lIns="90000" rIns="90000" tIns="45000" bIns="45000"/>
+          <a:bodyPr wrap="none" lIns="90000" tIns="45000" rIns="90000" bIns="45000"/>
+          <a:lstStyle/>
           <a:p>
             <a:pPr>
               <a:lnSpc>
@@ -9492,7 +9874,8 @@
           </a:ln>
         </p:spPr>
         <p:txBody>
-          <a:bodyPr wrap="none" lIns="90000" rIns="90000" tIns="45000" bIns="45000"/>
+          <a:bodyPr wrap="none" lIns="90000" tIns="45000" rIns="90000" bIns="45000"/>
+          <a:lstStyle/>
           <a:p>
             <a:pPr>
               <a:lnSpc>
@@ -9895,7 +10278,8 @@
           </a:ln>
         </p:spPr>
         <p:txBody>
-          <a:bodyPr wrap="none" lIns="90000" rIns="90000" tIns="45000" bIns="45000"/>
+          <a:bodyPr wrap="none" lIns="90000" tIns="45000" rIns="90000" bIns="45000"/>
+          <a:lstStyle/>
           <a:p>
             <a:pPr>
               <a:lnSpc>
@@ -10793,7 +11177,8 @@
           </a:ln>
         </p:spPr>
         <p:txBody>
-          <a:bodyPr wrap="none" lIns="90000" rIns="90000" tIns="45000" bIns="45000"/>
+          <a:bodyPr wrap="none" lIns="90000" tIns="45000" rIns="90000" bIns="45000"/>
+          <a:lstStyle/>
           <a:p>
             <a:pPr>
               <a:lnSpc>
@@ -10886,7 +11271,7 @@
           <p:nvPr/>
         </p:nvSpPr>
         <p:spPr>
-          <a:xfrm flipH="1" rot="16200000">
+          <a:xfrm rot="16200000" flipH="1">
             <a:off x="5853240" y="5529240"/>
             <a:ext cx="91800" cy="274320"/>
           </a:xfrm>
@@ -10988,7 +11373,8 @@
           </a:ln>
         </p:spPr>
         <p:txBody>
-          <a:bodyPr wrap="none" lIns="90000" rIns="90000" tIns="45000" bIns="45000"/>
+          <a:bodyPr wrap="none" lIns="90000" tIns="45000" rIns="90000" bIns="45000"/>
+          <a:lstStyle/>
           <a:p>
             <a:pPr>
               <a:lnSpc>
@@ -11028,7 +11414,8 @@
           </a:ln>
         </p:spPr>
         <p:txBody>
-          <a:bodyPr wrap="none" lIns="90000" rIns="90000" tIns="45000" bIns="45000"/>
+          <a:bodyPr wrap="none" lIns="90000" tIns="45000" rIns="90000" bIns="45000"/>
+          <a:lstStyle/>
           <a:p>
             <a:pPr>
               <a:lnSpc>
@@ -11068,7 +11455,8 @@
           </a:ln>
         </p:spPr>
         <p:txBody>
-          <a:bodyPr wrap="none" lIns="90000" rIns="90000" tIns="45000" bIns="45000"/>
+          <a:bodyPr wrap="none" lIns="90000" tIns="45000" rIns="90000" bIns="45000"/>
+          <a:lstStyle/>
           <a:p>
             <a:pPr>
               <a:lnSpc>
@@ -11216,7 +11604,8 @@
           </a:ln>
         </p:spPr>
         <p:txBody>
-          <a:bodyPr wrap="none" lIns="90000" rIns="90000" tIns="45000" bIns="45000"/>
+          <a:bodyPr wrap="none" lIns="90000" tIns="45000" rIns="90000" bIns="45000"/>
+          <a:lstStyle/>
           <a:p>
             <a:pPr>
               <a:lnSpc>
@@ -11271,7 +11660,7 @@
             <a:avLst/>
           </a:prstGeom>
           <a:solidFill>
-            <a:srgbClr val="ffffff"/>
+            <a:srgbClr val="FFFFFF"/>
           </a:solidFill>
           <a:ln w="19080">
             <a:solidFill>
@@ -11296,7 +11685,7 @@
             <a:avLst/>
           </a:prstGeom>
           <a:solidFill>
-            <a:srgbClr val="ffffff"/>
+            <a:srgbClr val="FFFFFF"/>
           </a:solidFill>
           <a:ln w="19080">
             <a:solidFill>
@@ -11321,7 +11710,7 @@
             <a:avLst/>
           </a:prstGeom>
           <a:solidFill>
-            <a:srgbClr val="ffffff"/>
+            <a:srgbClr val="FFFFFF"/>
           </a:solidFill>
           <a:ln w="19080">
             <a:solidFill>
@@ -11346,7 +11735,7 @@
             <a:avLst/>
           </a:prstGeom>
           <a:solidFill>
-            <a:srgbClr val="ffffff"/>
+            <a:srgbClr val="FFFFFF"/>
           </a:solidFill>
           <a:ln w="19080">
             <a:solidFill>
@@ -11371,7 +11760,7 @@
             <a:avLst/>
           </a:prstGeom>
           <a:solidFill>
-            <a:srgbClr val="ffffff"/>
+            <a:srgbClr val="FFFFFF"/>
           </a:solidFill>
           <a:ln w="19080">
             <a:solidFill>
@@ -11396,7 +11785,7 @@
             <a:avLst/>
           </a:prstGeom>
           <a:solidFill>
-            <a:srgbClr val="ffffff"/>
+            <a:srgbClr val="FFFFFF"/>
           </a:solidFill>
           <a:ln w="19080">
             <a:solidFill>
@@ -11422,7 +11811,7 @@
           </a:prstGeom>
           <a:ln w="19080">
             <a:solidFill>
-              <a:srgbClr val="ffffff"/>
+              <a:srgbClr val="FFFFFF"/>
             </a:solidFill>
             <a:round/>
           </a:ln>
@@ -11444,7 +11833,7 @@
           </a:prstGeom>
           <a:ln w="19080">
             <a:solidFill>
-              <a:srgbClr val="ffffff"/>
+              <a:srgbClr val="FFFFFF"/>
             </a:solidFill>
             <a:round/>
           </a:ln>
@@ -11466,7 +11855,7 @@
           </a:prstGeom>
           <a:ln w="19080">
             <a:solidFill>
-              <a:srgbClr val="ffffff"/>
+              <a:srgbClr val="FFFFFF"/>
             </a:solidFill>
             <a:round/>
           </a:ln>
@@ -11488,7 +11877,7 @@
           </a:prstGeom>
           <a:ln w="19080">
             <a:solidFill>
-              <a:srgbClr val="ffffff"/>
+              <a:srgbClr val="FFFFFF"/>
             </a:solidFill>
             <a:round/>
           </a:ln>
@@ -11510,7 +11899,7 @@
           </a:prstGeom>
           <a:ln w="19080">
             <a:solidFill>
-              <a:srgbClr val="ffffff"/>
+              <a:srgbClr val="FFFFFF"/>
             </a:solidFill>
             <a:round/>
           </a:ln>
@@ -11575,7 +11964,7 @@
             <a:avLst/>
           </a:prstGeom>
           <a:solidFill>
-            <a:srgbClr val="ffffff"/>
+            <a:srgbClr val="FFFFFF"/>
           </a:solidFill>
           <a:ln w="19080">
             <a:solidFill>
@@ -11600,7 +11989,7 @@
             <a:avLst/>
           </a:prstGeom>
           <a:solidFill>
-            <a:srgbClr val="ffffff"/>
+            <a:srgbClr val="FFFFFF"/>
           </a:solidFill>
           <a:ln w="19080">
             <a:solidFill>
@@ -11625,7 +12014,7 @@
             <a:avLst/>
           </a:prstGeom>
           <a:solidFill>
-            <a:srgbClr val="ffffff"/>
+            <a:srgbClr val="FFFFFF"/>
           </a:solidFill>
           <a:ln w="19080">
             <a:solidFill>
@@ -11650,7 +12039,7 @@
             <a:avLst/>
           </a:prstGeom>
           <a:solidFill>
-            <a:srgbClr val="ffffff"/>
+            <a:srgbClr val="FFFFFF"/>
           </a:solidFill>
           <a:ln w="19080">
             <a:solidFill>
@@ -11675,7 +12064,7 @@
             <a:avLst/>
           </a:prstGeom>
           <a:solidFill>
-            <a:srgbClr val="ffffff"/>
+            <a:srgbClr val="FFFFFF"/>
           </a:solidFill>
           <a:ln w="19080">
             <a:solidFill>
@@ -11700,7 +12089,7 @@
             <a:avLst/>
           </a:prstGeom>
           <a:solidFill>
-            <a:srgbClr val="ffffff"/>
+            <a:srgbClr val="FFFFFF"/>
           </a:solidFill>
           <a:ln w="19080">
             <a:solidFill>
@@ -11726,7 +12115,7 @@
           </a:prstGeom>
           <a:ln w="19080">
             <a:solidFill>
-              <a:srgbClr val="ffffff"/>
+              <a:srgbClr val="FFFFFF"/>
             </a:solidFill>
             <a:round/>
           </a:ln>
@@ -11748,7 +12137,7 @@
           </a:prstGeom>
           <a:ln w="19080">
             <a:solidFill>
-              <a:srgbClr val="ffffff"/>
+              <a:srgbClr val="FFFFFF"/>
             </a:solidFill>
             <a:round/>
           </a:ln>
@@ -11770,7 +12159,7 @@
           </a:prstGeom>
           <a:ln w="19080">
             <a:solidFill>
-              <a:srgbClr val="ffffff"/>
+              <a:srgbClr val="FFFFFF"/>
             </a:solidFill>
             <a:round/>
           </a:ln>
@@ -11792,7 +12181,7 @@
           </a:prstGeom>
           <a:ln w="19080">
             <a:solidFill>
-              <a:srgbClr val="ffffff"/>
+              <a:srgbClr val="FFFFFF"/>
             </a:solidFill>
             <a:round/>
           </a:ln>
@@ -11814,7 +12203,7 @@
           </a:prstGeom>
           <a:ln w="19080">
             <a:solidFill>
-              <a:srgbClr val="ffffff"/>
+              <a:srgbClr val="FFFFFF"/>
             </a:solidFill>
             <a:round/>
           </a:ln>
@@ -11943,7 +12332,7 @@
             <a:avLst/>
           </a:prstGeom>
           <a:solidFill>
-            <a:srgbClr val="ffffff"/>
+            <a:srgbClr val="FFFFFF"/>
           </a:solidFill>
           <a:ln w="19080">
             <a:solidFill>
@@ -11968,7 +12357,7 @@
             <a:avLst/>
           </a:prstGeom>
           <a:solidFill>
-            <a:srgbClr val="ffffff"/>
+            <a:srgbClr val="FFFFFF"/>
           </a:solidFill>
           <a:ln w="19080">
             <a:solidFill>
@@ -11993,7 +12382,7 @@
             <a:avLst/>
           </a:prstGeom>
           <a:solidFill>
-            <a:srgbClr val="ffffff"/>
+            <a:srgbClr val="FFFFFF"/>
           </a:solidFill>
           <a:ln w="19080">
             <a:solidFill>
@@ -12018,7 +12407,7 @@
             <a:avLst/>
           </a:prstGeom>
           <a:solidFill>
-            <a:srgbClr val="ffffff"/>
+            <a:srgbClr val="FFFFFF"/>
           </a:solidFill>
           <a:ln w="19080">
             <a:solidFill>
@@ -12043,7 +12432,7 @@
             <a:avLst/>
           </a:prstGeom>
           <a:solidFill>
-            <a:srgbClr val="ffffff"/>
+            <a:srgbClr val="FFFFFF"/>
           </a:solidFill>
           <a:ln w="19080">
             <a:solidFill>
@@ -12068,7 +12457,7 @@
             <a:avLst/>
           </a:prstGeom>
           <a:solidFill>
-            <a:srgbClr val="ffffff"/>
+            <a:srgbClr val="FFFFFF"/>
           </a:solidFill>
           <a:ln w="19080">
             <a:solidFill>
@@ -12094,7 +12483,7 @@
           </a:prstGeom>
           <a:ln w="19080">
             <a:solidFill>
-              <a:srgbClr val="ffffff"/>
+              <a:srgbClr val="FFFFFF"/>
             </a:solidFill>
             <a:round/>
           </a:ln>
@@ -12116,7 +12505,7 @@
           </a:prstGeom>
           <a:ln w="19080">
             <a:solidFill>
-              <a:srgbClr val="ffffff"/>
+              <a:srgbClr val="FFFFFF"/>
             </a:solidFill>
             <a:round/>
           </a:ln>
@@ -12138,7 +12527,7 @@
           </a:prstGeom>
           <a:ln w="19080">
             <a:solidFill>
-              <a:srgbClr val="ffffff"/>
+              <a:srgbClr val="FFFFFF"/>
             </a:solidFill>
             <a:round/>
           </a:ln>
@@ -12160,7 +12549,7 @@
           </a:prstGeom>
           <a:ln w="19080">
             <a:solidFill>
-              <a:srgbClr val="ffffff"/>
+              <a:srgbClr val="FFFFFF"/>
             </a:solidFill>
             <a:round/>
           </a:ln>
@@ -12182,7 +12571,7 @@
           </a:prstGeom>
           <a:ln w="19080">
             <a:solidFill>
-              <a:srgbClr val="ffffff"/>
+              <a:srgbClr val="FFFFFF"/>
             </a:solidFill>
             <a:round/>
           </a:ln>
@@ -12252,7 +12641,8 @@
           </a:ln>
         </p:spPr>
         <p:txBody>
-          <a:bodyPr wrap="none" lIns="90000" rIns="90000" tIns="45000" bIns="45000"/>
+          <a:bodyPr wrap="none" lIns="90000" tIns="45000" rIns="90000" bIns="45000"/>
+          <a:lstStyle/>
           <a:p>
             <a:pPr>
               <a:lnSpc>
@@ -12488,7 +12878,8 @@
           </a:ln>
         </p:spPr>
         <p:txBody>
-          <a:bodyPr wrap="none" lIns="90000" rIns="90000" tIns="45000" bIns="45000"/>
+          <a:bodyPr wrap="none" lIns="90000" tIns="45000" rIns="90000" bIns="45000"/>
+          <a:lstStyle/>
           <a:p>
             <a:pPr>
               <a:lnSpc>
@@ -12528,7 +12919,8 @@
           </a:ln>
         </p:spPr>
         <p:txBody>
-          <a:bodyPr wrap="none" lIns="90000" rIns="90000" tIns="45000" bIns="45000"/>
+          <a:bodyPr wrap="none" lIns="90000" tIns="45000" rIns="90000" bIns="45000"/>
+          <a:lstStyle/>
           <a:p>
             <a:pPr>
               <a:lnSpc>
@@ -12695,7 +13087,7 @@
           <a:prstGeom prst="line">
             <a:avLst/>
           </a:prstGeom>
-          <a:ln cap="rnd" w="12600">
+          <a:ln w="12600" cap="rnd">
             <a:solidFill>
               <a:srgbClr val="000000"/>
             </a:solidFill>
@@ -12813,7 +13205,8 @@
           </a:ln>
         </p:spPr>
         <p:txBody>
-          <a:bodyPr wrap="none" lIns="90000" rIns="90000" tIns="45000" bIns="45000"/>
+          <a:bodyPr wrap="none" lIns="90000" tIns="45000" rIns="90000" bIns="45000"/>
+          <a:lstStyle/>
           <a:p>
             <a:pPr>
               <a:lnSpc>
@@ -12853,7 +13246,8 @@
           </a:ln>
         </p:spPr>
         <p:txBody>
-          <a:bodyPr wrap="none" lIns="90000" rIns="90000" tIns="45000" bIns="45000"/>
+          <a:bodyPr wrap="none" lIns="90000" tIns="45000" rIns="90000" bIns="45000"/>
+          <a:lstStyle/>
           <a:p>
             <a:pPr>
               <a:lnSpc>
@@ -12893,7 +13287,8 @@
           </a:ln>
         </p:spPr>
         <p:txBody>
-          <a:bodyPr wrap="none" lIns="90000" rIns="90000" tIns="45000" bIns="45000"/>
+          <a:bodyPr wrap="none" lIns="90000" tIns="45000" rIns="90000" bIns="45000"/>
+          <a:lstStyle/>
           <a:p>
             <a:pPr>
               <a:lnSpc>
@@ -13019,7 +13414,7 @@
               <a:srgbClr val="000000"/>
             </a:solidFill>
             <a:round/>
-            <a:tailEnd len="med" type="triangle" w="med"/>
+            <a:tailEnd type="triangle" w="med" len="med"/>
           </a:ln>
         </p:spPr>
       </p:sp>
@@ -13063,7 +13458,8 @@
           </a:ln>
         </p:spPr>
         <p:txBody>
-          <a:bodyPr wrap="none" lIns="90000" rIns="90000" tIns="45000" bIns="45000"/>
+          <a:bodyPr wrap="none" lIns="90000" tIns="45000" rIns="90000" bIns="45000"/>
+          <a:lstStyle/>
           <a:p>
             <a:pPr>
               <a:lnSpc>
@@ -13125,7 +13521,7 @@
               <a:srgbClr val="000000"/>
             </a:solidFill>
             <a:round/>
-            <a:tailEnd len="med" type="triangle" w="med"/>
+            <a:tailEnd type="triangle" w="med" len="med"/>
           </a:ln>
         </p:spPr>
       </p:sp>
@@ -13192,7 +13588,8 @@
           </a:ln>
         </p:spPr>
         <p:txBody>
-          <a:bodyPr wrap="none" lIns="90000" rIns="90000" tIns="45000" bIns="45000"/>
+          <a:bodyPr wrap="none" lIns="90000" tIns="45000" rIns="90000" bIns="45000"/>
+          <a:lstStyle/>
           <a:p>
             <a:pPr>
               <a:lnSpc>
@@ -13275,7 +13672,8 @@
           </a:ln>
         </p:spPr>
         <p:txBody>
-          <a:bodyPr wrap="none" lIns="90000" rIns="90000" tIns="45000" bIns="45000"/>
+          <a:bodyPr wrap="none" lIns="90000" tIns="45000" rIns="90000" bIns="45000"/>
+          <a:lstStyle/>
           <a:p>
             <a:pPr>
               <a:lnSpc>
@@ -13314,7 +13712,7 @@
               <a:srgbClr val="000000"/>
             </a:solidFill>
             <a:round/>
-            <a:tailEnd len="med" type="triangle" w="med"/>
+            <a:tailEnd type="triangle" w="med" len="med"/>
           </a:ln>
         </p:spPr>
       </p:sp>
@@ -14401,7 +14799,8 @@
           </a:ln>
         </p:spPr>
         <p:txBody>
-          <a:bodyPr wrap="none" lIns="90000" rIns="90000" tIns="45000" bIns="45000"/>
+          <a:bodyPr wrap="none" lIns="90000" tIns="45000" rIns="90000" bIns="45000"/>
+          <a:lstStyle/>
           <a:p>
             <a:pPr>
               <a:lnSpc>
@@ -14460,7 +14859,7 @@
               <a:srgbClr val="000000"/>
             </a:solidFill>
             <a:round/>
-            <a:tailEnd len="med" type="triangle" w="med"/>
+            <a:tailEnd type="triangle" w="med" len="med"/>
           </a:ln>
         </p:spPr>
       </p:sp>
@@ -15208,7 +15607,7 @@
             <a:avLst/>
           </a:prstGeom>
           <a:solidFill>
-            <a:srgbClr val="ffffff"/>
+            <a:srgbClr val="FFFFFF"/>
           </a:solidFill>
           <a:ln w="19080">
             <a:solidFill>
@@ -15302,7 +15701,8 @@
           </a:ln>
         </p:spPr>
         <p:txBody>
-          <a:bodyPr wrap="none" lIns="90000" rIns="90000" tIns="45000" bIns="45000"/>
+          <a:bodyPr wrap="none" lIns="90000" tIns="45000" rIns="90000" bIns="45000"/>
+          <a:lstStyle/>
           <a:p>
             <a:pPr>
               <a:lnSpc>
@@ -15510,7 +15910,7 @@
           <p:nvPr/>
         </p:nvSpPr>
         <p:spPr>
-          <a:xfrm flipV="1" rot="7192800">
+          <a:xfrm rot="7192800" flipV="1">
             <a:off x="4783680" y="3393360"/>
             <a:ext cx="78120" cy="18720"/>
           </a:xfrm>
@@ -15556,7 +15956,7 @@
           <p:nvPr/>
         </p:nvSpPr>
         <p:spPr>
-          <a:xfrm flipV="1" rot="7192800">
+          <a:xfrm rot="7192800" flipV="1">
             <a:off x="4732920" y="3422880"/>
             <a:ext cx="78120" cy="18720"/>
           </a:xfrm>
@@ -15648,7 +16048,7 @@
           <p:nvPr/>
         </p:nvSpPr>
         <p:spPr>
-          <a:xfrm flipV="1" rot="7192800">
+          <a:xfrm rot="7192800" flipV="1">
             <a:off x="4834800" y="3364200"/>
             <a:ext cx="78120" cy="18720"/>
           </a:xfrm>
@@ -15694,7 +16094,7 @@
           <p:nvPr/>
         </p:nvSpPr>
         <p:spPr>
-          <a:xfrm flipV="1" rot="7192800">
+          <a:xfrm rot="7192800" flipV="1">
             <a:off x="4885560" y="3334680"/>
             <a:ext cx="78120" cy="18720"/>
           </a:xfrm>
@@ -16196,7 +16596,7 @@
           <p:nvPr/>
         </p:nvSpPr>
         <p:spPr>
-          <a:xfrm flipV="1" rot="14407200">
+          <a:xfrm rot="14407200" flipV="1">
             <a:off x="4460040" y="3381120"/>
             <a:ext cx="78120" cy="19080"/>
           </a:xfrm>
@@ -16242,7 +16642,7 @@
           <p:nvPr/>
         </p:nvSpPr>
         <p:spPr>
-          <a:xfrm flipV="1" rot="14407200">
+          <a:xfrm rot="14407200" flipV="1">
             <a:off x="4510800" y="3410640"/>
             <a:ext cx="78120" cy="19080"/>
           </a:xfrm>
@@ -16334,7 +16734,7 @@
           <p:nvPr/>
         </p:nvSpPr>
         <p:spPr>
-          <a:xfrm flipV="1" rot="14407200">
+          <a:xfrm rot="14407200" flipV="1">
             <a:off x="4408920" y="3351600"/>
             <a:ext cx="78120" cy="19080"/>
           </a:xfrm>
@@ -16380,7 +16780,7 @@
           <p:nvPr/>
         </p:nvSpPr>
         <p:spPr>
-          <a:xfrm flipV="1" rot="14407200">
+          <a:xfrm rot="14407200" flipV="1">
             <a:off x="4358160" y="3322440"/>
             <a:ext cx="78120" cy="19080"/>
           </a:xfrm>
@@ -16726,7 +17126,8 @@
           </a:ln>
         </p:spPr>
         <p:txBody>
-          <a:bodyPr wrap="none" lIns="90000" rIns="90000" tIns="45000" bIns="45000"/>
+          <a:bodyPr wrap="none" lIns="90000" tIns="45000" rIns="90000" bIns="45000"/>
+          <a:lstStyle/>
           <a:p>
             <a:pPr>
               <a:lnSpc>
@@ -16766,22 +17167,25 @@
       </p:sp>
     </p:spTree>
   </p:cSld>
+  <p:clrMapOvr>
+    <a:masterClrMapping/>
+  </p:clrMapOvr>
   <p:timing>
     <p:tnLst>
       <p:par>
-        <p:cTn id="17" dur="indefinite" restart="never" nodeType="tmRoot">
+        <p:cTn id="1" dur="indefinite" restart="never" nodeType="tmRoot">
           <p:childTnLst>
             <p:seq>
-              <p:cTn id="18" nodeType="mainSeq"/>
+              <p:cTn id="2" nodeType="mainSeq"/>
               <p:prevCondLst>
-                <p:cond delay="0" evt="onPrev">
+                <p:cond evt="onPrev" delay="0">
                   <p:tgtEl>
                     <p:sldTgt/>
                   </p:tgtEl>
                 </p:cond>
               </p:prevCondLst>
               <p:nextCondLst>
-                <p:cond delay="0" evt="onNext">
+                <p:cond evt="onNext" delay="0">
                   <p:tgtEl>
                     <p:sldTgt/>
                   </p:tgtEl>
@@ -17016,6 +17420,8 @@
       </a:bgFillStyleLst>
     </a:fmtScheme>
   </a:themeElements>
+  <a:objectDefaults/>
+  <a:extraClrSchemeLst/>
 </a:theme>
 </file>
 
@@ -17239,6 +17645,8 @@
       </a:bgFillStyleLst>
     </a:fmtScheme>
   </a:themeElements>
+  <a:objectDefaults/>
+  <a:extraClrSchemeLst/>
 </a:theme>
 </file>
 
@@ -17462,5 +17870,7 @@
       </a:bgFillStyleLst>
     </a:fmtScheme>
   </a:themeElements>
+  <a:objectDefaults/>
+  <a:extraClrSchemeLst/>
 </a:theme>
 </file>